--- a/Millets_Market Price_Prediction_Presentation_Group 7.pptx
+++ b/Millets_Market Price_Prediction_Presentation_Group 7.pptx
@@ -237,7 +237,7 @@
           <a:p>
             <a:fld id="{FC857D13-9B4D-4FE7-BF92-368FB103D847}" type="datetimeFigureOut">
               <a:rPr lang="en-US" smtClean="0"/>
-              <a:t>24-Jan-20</a:t>
+              <a:t>25-Jan-20</a:t>
             </a:fld>
             <a:endParaRPr lang="en-US"/>
           </a:p>
@@ -491,13 +491,13 @@
   <p:clrMapOvr>
     <a:masterClrMapping/>
   </p:clrMapOvr>
-  <mc:AlternateContent xmlns:mc="http://schemas.openxmlformats.org/markup-compatibility/2006">
-    <mc:Choice xmlns:p15="http://schemas.microsoft.com/office/powerpoint/2012/main" Requires="p15">
+  <mc:AlternateContent xmlns:mc="http://schemas.openxmlformats.org/markup-compatibility/2006" xmlns:p15="http://schemas.microsoft.com/office/powerpoint/2012/main">
+    <mc:Choice Requires="p15">
       <p:transition xmlns:p14="http://schemas.microsoft.com/office/powerpoint/2010/main" spd="slow" p14:dur="1250">
         <p15:prstTrans prst="peelOff"/>
       </p:transition>
     </mc:Choice>
-    <mc:Fallback>
+    <mc:Fallback xmlns="">
       <p:transition spd="slow">
         <p:fade/>
       </p:transition>
@@ -699,13 +699,13 @@
   <p:clrMapOvr>
     <a:masterClrMapping/>
   </p:clrMapOvr>
-  <mc:AlternateContent xmlns:mc="http://schemas.openxmlformats.org/markup-compatibility/2006">
-    <mc:Choice xmlns:p15="http://schemas.microsoft.com/office/powerpoint/2012/main" Requires="p15">
+  <mc:AlternateContent xmlns:mc="http://schemas.openxmlformats.org/markup-compatibility/2006" xmlns:p15="http://schemas.microsoft.com/office/powerpoint/2012/main">
+    <mc:Choice Requires="p15">
       <p:transition xmlns:p14="http://schemas.microsoft.com/office/powerpoint/2010/main" spd="slow" p14:dur="1250">
         <p15:prstTrans prst="peelOff"/>
       </p:transition>
     </mc:Choice>
-    <mc:Fallback>
+    <mc:Fallback xmlns="">
       <p:transition spd="slow">
         <p:fade/>
       </p:transition>
@@ -917,13 +917,13 @@
   <p:clrMapOvr>
     <a:masterClrMapping/>
   </p:clrMapOvr>
-  <mc:AlternateContent xmlns:mc="http://schemas.openxmlformats.org/markup-compatibility/2006">
-    <mc:Choice xmlns:p15="http://schemas.microsoft.com/office/powerpoint/2012/main" Requires="p15">
+  <mc:AlternateContent xmlns:mc="http://schemas.openxmlformats.org/markup-compatibility/2006" xmlns:p15="http://schemas.microsoft.com/office/powerpoint/2012/main">
+    <mc:Choice Requires="p15">
       <p:transition xmlns:p14="http://schemas.microsoft.com/office/powerpoint/2010/main" spd="slow" p14:dur="1250">
         <p15:prstTrans prst="peelOff"/>
       </p:transition>
     </mc:Choice>
-    <mc:Fallback>
+    <mc:Fallback xmlns="">
       <p:transition spd="slow">
         <p:fade/>
       </p:transition>
@@ -1079,7 +1079,7 @@
           <a:p>
             <a:fld id="{F2F4C3E1-D109-7B43-B395-DEF1746E86D3}" type="datetimeFigureOut">
               <a:rPr lang="en-US" smtClean="0"/>
-              <a:t>24-Jan-20</a:t>
+              <a:t>25-Jan-20</a:t>
             </a:fld>
             <a:endParaRPr lang="en-US"/>
           </a:p>
@@ -1149,13 +1149,13 @@
   <p:clrMapOvr>
     <a:masterClrMapping/>
   </p:clrMapOvr>
-  <mc:AlternateContent xmlns:mc="http://schemas.openxmlformats.org/markup-compatibility/2006">
-    <mc:Choice xmlns:p15="http://schemas.microsoft.com/office/powerpoint/2012/main" Requires="p15">
+  <mc:AlternateContent xmlns:mc="http://schemas.openxmlformats.org/markup-compatibility/2006" xmlns:p15="http://schemas.microsoft.com/office/powerpoint/2012/main">
+    <mc:Choice Requires="p15">
       <p:transition xmlns:p14="http://schemas.microsoft.com/office/powerpoint/2010/main" spd="slow" p14:dur="1250">
         <p15:prstTrans prst="peelOff"/>
       </p:transition>
     </mc:Choice>
-    <mc:Fallback>
+    <mc:Fallback xmlns="">
       <p:transition spd="slow">
         <p:fade/>
       </p:transition>
@@ -1289,7 +1289,7 @@
           <a:p>
             <a:fld id="{F2F4C3E1-D109-7B43-B395-DEF1746E86D3}" type="datetimeFigureOut">
               <a:rPr lang="en-US" smtClean="0"/>
-              <a:t>24-Jan-20</a:t>
+              <a:t>25-Jan-20</a:t>
             </a:fld>
             <a:endParaRPr lang="en-US"/>
           </a:p>
@@ -1410,13 +1410,13 @@
   <p:clrMapOvr>
     <a:masterClrMapping/>
   </p:clrMapOvr>
-  <mc:AlternateContent xmlns:mc="http://schemas.openxmlformats.org/markup-compatibility/2006">
-    <mc:Choice xmlns:p15="http://schemas.microsoft.com/office/powerpoint/2012/main" Requires="p15">
+  <mc:AlternateContent xmlns:mc="http://schemas.openxmlformats.org/markup-compatibility/2006" xmlns:p15="http://schemas.microsoft.com/office/powerpoint/2012/main">
+    <mc:Choice Requires="p15">
       <p:transition xmlns:p14="http://schemas.microsoft.com/office/powerpoint/2010/main" spd="slow" p14:dur="1250">
         <p15:prstTrans prst="peelOff"/>
       </p:transition>
     </mc:Choice>
-    <mc:Fallback>
+    <mc:Fallback xmlns="">
       <p:transition spd="slow">
         <p:fade/>
       </p:transition>
@@ -1664,13 +1664,13 @@
   <p:clrMapOvr>
     <a:masterClrMapping/>
   </p:clrMapOvr>
-  <mc:AlternateContent xmlns:mc="http://schemas.openxmlformats.org/markup-compatibility/2006">
-    <mc:Choice xmlns:p15="http://schemas.microsoft.com/office/powerpoint/2012/main" Requires="p15">
+  <mc:AlternateContent xmlns:mc="http://schemas.openxmlformats.org/markup-compatibility/2006" xmlns:p15="http://schemas.microsoft.com/office/powerpoint/2012/main">
+    <mc:Choice Requires="p15">
       <p:transition xmlns:p14="http://schemas.microsoft.com/office/powerpoint/2010/main" spd="slow" p14:dur="1250">
         <p15:prstTrans prst="peelOff"/>
       </p:transition>
     </mc:Choice>
-    <mc:Fallback>
+    <mc:Fallback xmlns="">
       <p:transition spd="slow">
         <p:fade/>
       </p:transition>
@@ -1881,7 +1881,7 @@
           <a:p>
             <a:fld id="{F2F4C3E1-D109-7B43-B395-DEF1746E86D3}" type="datetimeFigureOut">
               <a:rPr lang="en-US" smtClean="0"/>
-              <a:t>24-Jan-20</a:t>
+              <a:t>25-Jan-20</a:t>
             </a:fld>
             <a:endParaRPr lang="en-US"/>
           </a:p>
@@ -2031,13 +2031,13 @@
   <p:clrMapOvr>
     <a:masterClrMapping/>
   </p:clrMapOvr>
-  <mc:AlternateContent xmlns:mc="http://schemas.openxmlformats.org/markup-compatibility/2006">
-    <mc:Choice xmlns:p15="http://schemas.microsoft.com/office/powerpoint/2012/main" Requires="p15">
+  <mc:AlternateContent xmlns:mc="http://schemas.openxmlformats.org/markup-compatibility/2006" xmlns:p15="http://schemas.microsoft.com/office/powerpoint/2012/main">
+    <mc:Choice Requires="p15">
       <p:transition xmlns:p14="http://schemas.microsoft.com/office/powerpoint/2010/main" spd="slow" p14:dur="1250">
         <p15:prstTrans prst="peelOff"/>
       </p:transition>
     </mc:Choice>
-    <mc:Fallback>
+    <mc:Fallback xmlns="">
       <p:transition spd="slow">
         <p:fade/>
       </p:transition>
@@ -2238,7 +2238,7 @@
           <a:p>
             <a:fld id="{F2F4C3E1-D109-7B43-B395-DEF1746E86D3}" type="datetimeFigureOut">
               <a:rPr lang="en-US" smtClean="0"/>
-              <a:t>24-Jan-20</a:t>
+              <a:t>25-Jan-20</a:t>
             </a:fld>
             <a:endParaRPr lang="en-US"/>
           </a:p>
@@ -2388,13 +2388,13 @@
   <p:clrMapOvr>
     <a:masterClrMapping/>
   </p:clrMapOvr>
-  <mc:AlternateContent xmlns:mc="http://schemas.openxmlformats.org/markup-compatibility/2006">
-    <mc:Choice xmlns:p15="http://schemas.microsoft.com/office/powerpoint/2012/main" Requires="p15">
+  <mc:AlternateContent xmlns:mc="http://schemas.openxmlformats.org/markup-compatibility/2006" xmlns:p15="http://schemas.microsoft.com/office/powerpoint/2012/main">
+    <mc:Choice Requires="p15">
       <p:transition xmlns:p14="http://schemas.microsoft.com/office/powerpoint/2010/main" spd="slow" p14:dur="1250">
         <p15:prstTrans prst="peelOff"/>
       </p:transition>
     </mc:Choice>
-    <mc:Fallback>
+    <mc:Fallback xmlns="">
       <p:transition spd="slow">
         <p:fade/>
       </p:transition>
@@ -2742,7 +2742,7 @@
           <a:p>
             <a:fld id="{F2F4C3E1-D109-7B43-B395-DEF1746E86D3}" type="datetimeFigureOut">
               <a:rPr lang="en-US" smtClean="0"/>
-              <a:t>24-Jan-20</a:t>
+              <a:t>25-Jan-20</a:t>
             </a:fld>
             <a:endParaRPr lang="en-US"/>
           </a:p>
@@ -2892,13 +2892,13 @@
   <p:clrMapOvr>
     <a:masterClrMapping/>
   </p:clrMapOvr>
-  <mc:AlternateContent xmlns:mc="http://schemas.openxmlformats.org/markup-compatibility/2006">
-    <mc:Choice xmlns:p15="http://schemas.microsoft.com/office/powerpoint/2012/main" Requires="p15">
+  <mc:AlternateContent xmlns:mc="http://schemas.openxmlformats.org/markup-compatibility/2006" xmlns:p15="http://schemas.microsoft.com/office/powerpoint/2012/main">
+    <mc:Choice Requires="p15">
       <p:transition xmlns:p14="http://schemas.microsoft.com/office/powerpoint/2010/main" spd="slow" p14:dur="1250">
         <p15:prstTrans prst="peelOff"/>
       </p:transition>
     </mc:Choice>
-    <mc:Fallback>
+    <mc:Fallback xmlns="">
       <p:transition spd="slow">
         <p:fade/>
       </p:transition>
@@ -2975,7 +2975,7 @@
           <a:p>
             <a:fld id="{F2F4C3E1-D109-7B43-B395-DEF1746E86D3}" type="datetimeFigureOut">
               <a:rPr lang="en-US" smtClean="0"/>
-              <a:t>24-Jan-20</a:t>
+              <a:t>25-Jan-20</a:t>
             </a:fld>
             <a:endParaRPr lang="en-US"/>
           </a:p>
@@ -3125,13 +3125,13 @@
   <p:clrMapOvr>
     <a:masterClrMapping/>
   </p:clrMapOvr>
-  <mc:AlternateContent xmlns:mc="http://schemas.openxmlformats.org/markup-compatibility/2006">
-    <mc:Choice xmlns:p15="http://schemas.microsoft.com/office/powerpoint/2012/main" Requires="p15">
+  <mc:AlternateContent xmlns:mc="http://schemas.openxmlformats.org/markup-compatibility/2006" xmlns:p15="http://schemas.microsoft.com/office/powerpoint/2012/main">
+    <mc:Choice Requires="p15">
       <p:transition xmlns:p14="http://schemas.microsoft.com/office/powerpoint/2010/main" spd="slow" p14:dur="1250">
         <p15:prstTrans prst="peelOff"/>
       </p:transition>
     </mc:Choice>
-    <mc:Fallback>
+    <mc:Fallback xmlns="">
       <p:transition spd="slow">
         <p:fade/>
       </p:transition>
@@ -3180,7 +3180,7 @@
           <a:p>
             <a:fld id="{F2F4C3E1-D109-7B43-B395-DEF1746E86D3}" type="datetimeFigureOut">
               <a:rPr lang="en-US" smtClean="0"/>
-              <a:t>24-Jan-20</a:t>
+              <a:t>25-Jan-20</a:t>
             </a:fld>
             <a:endParaRPr lang="en-US"/>
           </a:p>
@@ -3330,13 +3330,13 @@
   <p:clrMapOvr>
     <a:masterClrMapping/>
   </p:clrMapOvr>
-  <mc:AlternateContent xmlns:mc="http://schemas.openxmlformats.org/markup-compatibility/2006">
-    <mc:Choice xmlns:p15="http://schemas.microsoft.com/office/powerpoint/2012/main" Requires="p15">
+  <mc:AlternateContent xmlns:mc="http://schemas.openxmlformats.org/markup-compatibility/2006" xmlns:p15="http://schemas.microsoft.com/office/powerpoint/2012/main">
+    <mc:Choice Requires="p15">
       <p:transition xmlns:p14="http://schemas.microsoft.com/office/powerpoint/2010/main" spd="slow" p14:dur="1250">
         <p15:prstTrans prst="peelOff"/>
       </p:transition>
     </mc:Choice>
-    <mc:Fallback>
+    <mc:Fallback xmlns="">
       <p:transition spd="slow">
         <p:fade/>
       </p:transition>
@@ -3895,13 +3895,13 @@
   <p:clrMapOvr>
     <a:masterClrMapping/>
   </p:clrMapOvr>
-  <mc:AlternateContent xmlns:mc="http://schemas.openxmlformats.org/markup-compatibility/2006">
-    <mc:Choice xmlns:p15="http://schemas.microsoft.com/office/powerpoint/2012/main" Requires="p15">
+  <mc:AlternateContent xmlns:mc="http://schemas.openxmlformats.org/markup-compatibility/2006" xmlns:p15="http://schemas.microsoft.com/office/powerpoint/2012/main">
+    <mc:Choice Requires="p15">
       <p:transition xmlns:p14="http://schemas.microsoft.com/office/powerpoint/2010/main" spd="slow" p14:dur="1250">
         <p15:prstTrans prst="peelOff"/>
       </p:transition>
     </mc:Choice>
-    <mc:Fallback>
+    <mc:Fallback xmlns="">
       <p:transition spd="slow">
         <p:fade/>
       </p:transition>
@@ -4148,7 +4148,7 @@
           <a:p>
             <a:fld id="{F2F4C3E1-D109-7B43-B395-DEF1746E86D3}" type="datetimeFigureOut">
               <a:rPr lang="en-US" smtClean="0"/>
-              <a:t>24-Jan-20</a:t>
+              <a:t>25-Jan-20</a:t>
             </a:fld>
             <a:endParaRPr lang="en-US"/>
           </a:p>
@@ -4298,13 +4298,13 @@
   <p:clrMapOvr>
     <a:masterClrMapping/>
   </p:clrMapOvr>
-  <mc:AlternateContent xmlns:mc="http://schemas.openxmlformats.org/markup-compatibility/2006">
-    <mc:Choice xmlns:p15="http://schemas.microsoft.com/office/powerpoint/2012/main" Requires="p15">
+  <mc:AlternateContent xmlns:mc="http://schemas.openxmlformats.org/markup-compatibility/2006" xmlns:p15="http://schemas.microsoft.com/office/powerpoint/2012/main">
+    <mc:Choice Requires="p15">
       <p:transition xmlns:p14="http://schemas.microsoft.com/office/powerpoint/2010/main" spd="slow" p14:dur="1250">
         <p15:prstTrans prst="peelOff"/>
       </p:transition>
     </mc:Choice>
-    <mc:Fallback>
+    <mc:Fallback xmlns="">
       <p:transition spd="slow">
         <p:fade/>
       </p:transition>
@@ -4528,7 +4528,7 @@
           <a:p>
             <a:fld id="{F2F4C3E1-D109-7B43-B395-DEF1746E86D3}" type="datetimeFigureOut">
               <a:rPr lang="en-US" smtClean="0"/>
-              <a:t>24-Jan-20</a:t>
+              <a:t>25-Jan-20</a:t>
             </a:fld>
             <a:endParaRPr lang="en-US"/>
           </a:p>
@@ -4678,13 +4678,13 @@
   <p:clrMapOvr>
     <a:masterClrMapping/>
   </p:clrMapOvr>
-  <mc:AlternateContent xmlns:mc="http://schemas.openxmlformats.org/markup-compatibility/2006">
-    <mc:Choice xmlns:p15="http://schemas.microsoft.com/office/powerpoint/2012/main" Requires="p15">
+  <mc:AlternateContent xmlns:mc="http://schemas.openxmlformats.org/markup-compatibility/2006" xmlns:p15="http://schemas.microsoft.com/office/powerpoint/2012/main">
+    <mc:Choice Requires="p15">
       <p:transition xmlns:p14="http://schemas.microsoft.com/office/powerpoint/2010/main" spd="slow" p14:dur="1250">
         <p15:prstTrans prst="peelOff"/>
       </p:transition>
     </mc:Choice>
-    <mc:Fallback>
+    <mc:Fallback xmlns="">
       <p:transition spd="slow">
         <p:fade/>
       </p:transition>
@@ -4818,7 +4818,7 @@
           <a:p>
             <a:fld id="{F2F4C3E1-D109-7B43-B395-DEF1746E86D3}" type="datetimeFigureOut">
               <a:rPr lang="en-US" smtClean="0"/>
-              <a:t>24-Jan-20</a:t>
+              <a:t>25-Jan-20</a:t>
             </a:fld>
             <a:endParaRPr lang="en-US"/>
           </a:p>
@@ -4968,13 +4968,13 @@
   <p:clrMapOvr>
     <a:masterClrMapping/>
   </p:clrMapOvr>
-  <mc:AlternateContent xmlns:mc="http://schemas.openxmlformats.org/markup-compatibility/2006">
-    <mc:Choice xmlns:p15="http://schemas.microsoft.com/office/powerpoint/2012/main" Requires="p15">
+  <mc:AlternateContent xmlns:mc="http://schemas.openxmlformats.org/markup-compatibility/2006" xmlns:p15="http://schemas.microsoft.com/office/powerpoint/2012/main">
+    <mc:Choice Requires="p15">
       <p:transition xmlns:p14="http://schemas.microsoft.com/office/powerpoint/2010/main" spd="slow" p14:dur="1250">
         <p15:prstTrans prst="peelOff"/>
       </p:transition>
     </mc:Choice>
-    <mc:Fallback>
+    <mc:Fallback xmlns="">
       <p:transition spd="slow">
         <p:fade/>
       </p:transition>
@@ -5118,7 +5118,7 @@
           <a:p>
             <a:fld id="{F2F4C3E1-D109-7B43-B395-DEF1746E86D3}" type="datetimeFigureOut">
               <a:rPr lang="en-US" smtClean="0"/>
-              <a:t>24-Jan-20</a:t>
+              <a:t>25-Jan-20</a:t>
             </a:fld>
             <a:endParaRPr lang="en-US"/>
           </a:p>
@@ -5268,13 +5268,13 @@
   <p:clrMapOvr>
     <a:masterClrMapping/>
   </p:clrMapOvr>
-  <mc:AlternateContent xmlns:mc="http://schemas.openxmlformats.org/markup-compatibility/2006">
-    <mc:Choice xmlns:p15="http://schemas.microsoft.com/office/powerpoint/2012/main" Requires="p15">
+  <mc:AlternateContent xmlns:mc="http://schemas.openxmlformats.org/markup-compatibility/2006" xmlns:p15="http://schemas.microsoft.com/office/powerpoint/2012/main">
+    <mc:Choice Requires="p15">
       <p:transition xmlns:p14="http://schemas.microsoft.com/office/powerpoint/2010/main" spd="slow" p14:dur="1250">
         <p15:prstTrans prst="peelOff"/>
       </p:transition>
     </mc:Choice>
-    <mc:Fallback>
+    <mc:Fallback xmlns="">
       <p:transition spd="slow">
         <p:fade/>
       </p:transition>
@@ -5394,13 +5394,13 @@
   <p:clrMapOvr>
     <a:masterClrMapping/>
   </p:clrMapOvr>
-  <mc:AlternateContent xmlns:mc="http://schemas.openxmlformats.org/markup-compatibility/2006">
-    <mc:Choice xmlns:p15="http://schemas.microsoft.com/office/powerpoint/2012/main" Requires="p15">
+  <mc:AlternateContent xmlns:mc="http://schemas.openxmlformats.org/markup-compatibility/2006" xmlns:p15="http://schemas.microsoft.com/office/powerpoint/2012/main">
+    <mc:Choice Requires="p15">
       <p:transition xmlns:p14="http://schemas.microsoft.com/office/powerpoint/2010/main" spd="slow" p14:dur="1250">
         <p15:prstTrans prst="peelOff"/>
       </p:transition>
     </mc:Choice>
-    <mc:Fallback>
+    <mc:Fallback xmlns="">
       <p:transition spd="slow">
         <p:fade/>
       </p:transition>
@@ -5720,13 +5720,13 @@
   <p:clrMapOvr>
     <a:masterClrMapping/>
   </p:clrMapOvr>
-  <mc:AlternateContent xmlns:mc="http://schemas.openxmlformats.org/markup-compatibility/2006">
-    <mc:Choice xmlns:p15="http://schemas.microsoft.com/office/powerpoint/2012/main" Requires="p15">
+  <mc:AlternateContent xmlns:mc="http://schemas.openxmlformats.org/markup-compatibility/2006" xmlns:p15="http://schemas.microsoft.com/office/powerpoint/2012/main">
+    <mc:Choice Requires="p15">
       <p:transition xmlns:p14="http://schemas.microsoft.com/office/powerpoint/2010/main" spd="slow" p14:dur="1250">
         <p15:prstTrans prst="peelOff"/>
       </p:transition>
     </mc:Choice>
-    <mc:Fallback>
+    <mc:Fallback xmlns="">
       <p:transition spd="slow">
         <p:fade/>
       </p:transition>
@@ -6195,13 +6195,13 @@
   <p:clrMapOvr>
     <a:masterClrMapping/>
   </p:clrMapOvr>
-  <mc:AlternateContent xmlns:mc="http://schemas.openxmlformats.org/markup-compatibility/2006">
-    <mc:Choice xmlns:p15="http://schemas.microsoft.com/office/powerpoint/2012/main" Requires="p15">
+  <mc:AlternateContent xmlns:mc="http://schemas.openxmlformats.org/markup-compatibility/2006" xmlns:p15="http://schemas.microsoft.com/office/powerpoint/2012/main">
+    <mc:Choice Requires="p15">
       <p:transition xmlns:p14="http://schemas.microsoft.com/office/powerpoint/2010/main" spd="slow" p14:dur="1250">
         <p15:prstTrans prst="peelOff"/>
       </p:transition>
     </mc:Choice>
-    <mc:Fallback>
+    <mc:Fallback xmlns="">
       <p:transition spd="slow">
         <p:fade/>
       </p:transition>
@@ -6351,13 +6351,13 @@
   <p:clrMapOvr>
     <a:masterClrMapping/>
   </p:clrMapOvr>
-  <mc:AlternateContent xmlns:mc="http://schemas.openxmlformats.org/markup-compatibility/2006">
-    <mc:Choice xmlns:p15="http://schemas.microsoft.com/office/powerpoint/2012/main" Requires="p15">
+  <mc:AlternateContent xmlns:mc="http://schemas.openxmlformats.org/markup-compatibility/2006" xmlns:p15="http://schemas.microsoft.com/office/powerpoint/2012/main">
+    <mc:Choice Requires="p15">
       <p:transition xmlns:p14="http://schemas.microsoft.com/office/powerpoint/2010/main" spd="slow" p14:dur="1250">
         <p15:prstTrans prst="peelOff"/>
       </p:transition>
     </mc:Choice>
-    <mc:Fallback>
+    <mc:Fallback xmlns="">
       <p:transition spd="slow">
         <p:fade/>
       </p:transition>
@@ -6484,13 +6484,13 @@
   <p:clrMapOvr>
     <a:masterClrMapping/>
   </p:clrMapOvr>
-  <mc:AlternateContent xmlns:mc="http://schemas.openxmlformats.org/markup-compatibility/2006">
-    <mc:Choice xmlns:p15="http://schemas.microsoft.com/office/powerpoint/2012/main" Requires="p15">
+  <mc:AlternateContent xmlns:mc="http://schemas.openxmlformats.org/markup-compatibility/2006" xmlns:p15="http://schemas.microsoft.com/office/powerpoint/2012/main">
+    <mc:Choice Requires="p15">
       <p:transition xmlns:p14="http://schemas.microsoft.com/office/powerpoint/2010/main" spd="slow" p14:dur="1250">
         <p15:prstTrans prst="peelOff"/>
       </p:transition>
     </mc:Choice>
-    <mc:Fallback>
+    <mc:Fallback xmlns="">
       <p:transition spd="slow">
         <p:fade/>
       </p:transition>
@@ -6968,13 +6968,13 @@
   <p:clrMapOvr>
     <a:masterClrMapping/>
   </p:clrMapOvr>
-  <mc:AlternateContent xmlns:mc="http://schemas.openxmlformats.org/markup-compatibility/2006">
-    <mc:Choice xmlns:p15="http://schemas.microsoft.com/office/powerpoint/2012/main" Requires="p15">
+  <mc:AlternateContent xmlns:mc="http://schemas.openxmlformats.org/markup-compatibility/2006" xmlns:p15="http://schemas.microsoft.com/office/powerpoint/2012/main">
+    <mc:Choice Requires="p15">
       <p:transition xmlns:p14="http://schemas.microsoft.com/office/powerpoint/2010/main" spd="slow" p14:dur="1250">
         <p15:prstTrans prst="peelOff"/>
       </p:transition>
     </mc:Choice>
-    <mc:Fallback>
+    <mc:Fallback xmlns="">
       <p:transition spd="slow">
         <p:fade/>
       </p:transition>
@@ -7386,13 +7386,13 @@
   <p:clrMapOvr>
     <a:masterClrMapping/>
   </p:clrMapOvr>
-  <mc:AlternateContent xmlns:mc="http://schemas.openxmlformats.org/markup-compatibility/2006">
-    <mc:Choice xmlns:p15="http://schemas.microsoft.com/office/powerpoint/2012/main" Requires="p15">
+  <mc:AlternateContent xmlns:mc="http://schemas.openxmlformats.org/markup-compatibility/2006" xmlns:p15="http://schemas.microsoft.com/office/powerpoint/2012/main">
+    <mc:Choice Requires="p15">
       <p:transition xmlns:p14="http://schemas.microsoft.com/office/powerpoint/2010/main" spd="slow" p14:dur="1250">
         <p15:prstTrans prst="peelOff"/>
       </p:transition>
     </mc:Choice>
-    <mc:Fallback>
+    <mc:Fallback xmlns="">
       <p:transition spd="slow">
         <p:fade/>
       </p:transition>
@@ -7716,13 +7716,13 @@
     <p:sldLayoutId id="2147483671" r:id="rId10"/>
     <p:sldLayoutId id="2147483672" r:id="rId11"/>
   </p:sldLayoutIdLst>
-  <mc:AlternateContent xmlns:mc="http://schemas.openxmlformats.org/markup-compatibility/2006">
-    <mc:Choice xmlns:p15="http://schemas.microsoft.com/office/powerpoint/2012/main" Requires="p15">
+  <mc:AlternateContent xmlns:mc="http://schemas.openxmlformats.org/markup-compatibility/2006" xmlns:p15="http://schemas.microsoft.com/office/powerpoint/2012/main">
+    <mc:Choice Requires="p15">
       <p:transition xmlns:p14="http://schemas.microsoft.com/office/powerpoint/2010/main" spd="slow" p14:dur="1250">
         <p15:prstTrans prst="peelOff"/>
       </p:transition>
     </mc:Choice>
-    <mc:Fallback>
+    <mc:Fallback xmlns="">
       <p:transition spd="slow">
         <p:fade/>
       </p:transition>
@@ -8262,7 +8262,7 @@
           <a:p>
             <a:fld id="{F2F4C3E1-D109-7B43-B395-DEF1746E86D3}" type="datetimeFigureOut">
               <a:rPr lang="en-US" smtClean="0"/>
-              <a:t>24-Jan-20</a:t>
+              <a:t>25-Jan-20</a:t>
             </a:fld>
             <a:endParaRPr lang="en-US"/>
           </a:p>
@@ -8380,13 +8380,13 @@
     <p:sldLayoutId id="2147483658" r:id="rId11"/>
     <p:sldLayoutId id="2147483659" r:id="rId12"/>
   </p:sldLayoutIdLst>
-  <mc:AlternateContent xmlns:mc="http://schemas.openxmlformats.org/markup-compatibility/2006">
-    <mc:Choice xmlns:p15="http://schemas.microsoft.com/office/powerpoint/2012/main" Requires="p15">
+  <mc:AlternateContent xmlns:mc="http://schemas.openxmlformats.org/markup-compatibility/2006" xmlns:p15="http://schemas.microsoft.com/office/powerpoint/2012/main">
+    <mc:Choice Requires="p15">
       <p:transition xmlns:p14="http://schemas.microsoft.com/office/powerpoint/2010/main" spd="slow" p14:dur="1250">
         <p15:prstTrans prst="peelOff"/>
       </p:transition>
     </mc:Choice>
-    <mc:Fallback>
+    <mc:Fallback xmlns="">
       <p:transition spd="slow">
         <p:fade/>
       </p:transition>
@@ -8742,7 +8742,7 @@
         <p:spPr>
           <a:xfrm>
             <a:off x="396209" y="4676624"/>
-            <a:ext cx="3066082" cy="2308324"/>
+            <a:ext cx="3066082" cy="2031325"/>
           </a:xfrm>
           <a:prstGeom prst="rect">
             <a:avLst/>
@@ -8762,32 +8762,75 @@
           </a:p>
           <a:p>
             <a:r>
+              <a:rPr lang="en-US" b="1" dirty="0"/>
+              <a:t>ABDUL SHERAZ K R</a:t>
+            </a:r>
+          </a:p>
+          <a:p>
+            <a:r>
+              <a:rPr lang="en-US" b="1" dirty="0"/>
+              <a:t>NAVEEN KUMAR THIPPIRISHETTY</a:t>
+            </a:r>
+          </a:p>
+          <a:p>
+            <a:r>
+              <a:rPr lang="en-US" b="1" dirty="0"/>
+              <a:t>PRADEEP SANCHANA</a:t>
+            </a:r>
+          </a:p>
+          <a:p>
+            <a:r>
+              <a:rPr lang="en-US" b="1" dirty="0"/>
+              <a:t>SANDESH RAMESH KANNUR</a:t>
+            </a:r>
+          </a:p>
+          <a:p>
+            <a:r>
+              <a:rPr lang="en-US" b="1" dirty="0"/>
+              <a:t>VAISHNAVI K</a:t>
+            </a:r>
+            <a:r>
               <a:rPr lang="en-US" dirty="0"/>
-              <a:t>ABDUL SHERAZ K R</a:t>
-            </a:r>
-          </a:p>
-          <a:p>
+              <a:t>	</a:t>
+            </a:r>
+          </a:p>
+        </p:txBody>
+      </p:sp>
+      <p:sp>
+        <p:nvSpPr>
+          <p:cNvPr id="4" name="TextBox 3">
+            <a:extLst>
+              <a:ext uri="{FF2B5EF4-FFF2-40B4-BE49-F238E27FC236}">
+                <a16:creationId xmlns:a16="http://schemas.microsoft.com/office/drawing/2014/main" id="{FAEC5604-6C82-4719-90EF-6785D554ADA8}"/>
+              </a:ext>
+            </a:extLst>
+          </p:cNvPr>
+          <p:cNvSpPr txBox="1"/>
+          <p:nvPr/>
+        </p:nvSpPr>
+        <p:spPr>
+          <a:xfrm>
+            <a:off x="7996973" y="5599952"/>
+            <a:ext cx="3798817" cy="461665"/>
+          </a:xfrm>
+          <a:prstGeom prst="rect">
+            <a:avLst/>
+          </a:prstGeom>
+          <a:noFill/>
+        </p:spPr>
+        <p:txBody>
+          <a:bodyPr wrap="square" rtlCol="0">
+            <a:spAutoFit/>
+          </a:bodyPr>
+          <a:lstStyle/>
+          <a:p>
+            <a:r>
+              <a:rPr lang="en-US" sz="2400" b="1" dirty="0"/>
+              <a:t>Mentor :Narayana D</a:t>
+            </a:r>
             <a:r>
               <a:rPr lang="en-US" dirty="0"/>
-              <a:t>NAVEEN KUMAR THIPPIRISHETTY</a:t>
-            </a:r>
-          </a:p>
-          <a:p>
-            <a:r>
-              <a:rPr lang="en-US" dirty="0"/>
-              <a:t>PRADEEP SANCHANA</a:t>
-            </a:r>
-          </a:p>
-          <a:p>
-            <a:r>
-              <a:rPr lang="en-US" dirty="0"/>
-              <a:t>SANDESH RAMESH KANNUR</a:t>
-            </a:r>
-          </a:p>
-          <a:p>
-            <a:r>
-              <a:rPr lang="en-US" dirty="0"/>
-              <a:t>VAISHNAVI K	</a:t>
+              <a:t> </a:t>
             </a:r>
           </a:p>
         </p:txBody>
@@ -8802,13 +8845,13 @@
   <p:clrMapOvr>
     <a:masterClrMapping/>
   </p:clrMapOvr>
-  <mc:AlternateContent xmlns:mc="http://schemas.openxmlformats.org/markup-compatibility/2006">
-    <mc:Choice xmlns:p15="http://schemas.microsoft.com/office/powerpoint/2012/main" Requires="p15">
+  <mc:AlternateContent xmlns:mc="http://schemas.openxmlformats.org/markup-compatibility/2006" xmlns:p15="http://schemas.microsoft.com/office/powerpoint/2012/main">
+    <mc:Choice Requires="p15">
       <p:transition xmlns:p14="http://schemas.microsoft.com/office/powerpoint/2010/main" spd="slow" p14:dur="1250">
         <p15:prstTrans prst="peelOff"/>
       </p:transition>
     </mc:Choice>
-    <mc:Fallback>
+    <mc:Fallback xmlns="">
       <p:transition spd="slow">
         <p:fade/>
       </p:transition>
@@ -8871,41 +8914,26 @@
           <a:prstGeom prst="rect">
             <a:avLst/>
           </a:prstGeom>
-          <a:gradFill>
-            <a:gsLst>
-              <a:gs pos="0">
-                <a:schemeClr val="accent6">
-                  <a:lumMod val="60000"/>
-                  <a:lumOff val="40000"/>
-                </a:schemeClr>
-              </a:gs>
-              <a:gs pos="50000">
-                <a:schemeClr val="accent6">
-                  <a:lumMod val="20000"/>
-                  <a:lumOff val="80000"/>
-                </a:schemeClr>
-              </a:gs>
-              <a:gs pos="100000">
-                <a:schemeClr val="accent6">
-                  <a:lumMod val="60000"/>
-                  <a:lumOff val="40000"/>
-                </a:schemeClr>
-              </a:gs>
-            </a:gsLst>
-          </a:gradFill>
-          <a:ln>
-            <a:noFill/>
+          <a:noFill/>
+          <a:ln w="9525" cap="flat" cmpd="sng" algn="ctr">
+            <a:solidFill>
+              <a:schemeClr val="dk1"/>
+            </a:solidFill>
+            <a:prstDash val="solid"/>
+            <a:round/>
+            <a:headEnd type="none" w="med" len="med"/>
+            <a:tailEnd type="none" w="med" len="med"/>
           </a:ln>
         </p:spPr>
         <p:style>
-          <a:lnRef idx="1">
-            <a:schemeClr val="dk1"/>
+          <a:lnRef idx="0">
+            <a:scrgbClr r="0" g="0" b="0"/>
           </a:lnRef>
-          <a:fillRef idx="2">
-            <a:schemeClr val="dk1"/>
+          <a:fillRef idx="0">
+            <a:scrgbClr r="0" g="0" b="0"/>
           </a:fillRef>
-          <a:effectRef idx="1">
-            <a:schemeClr val="dk1"/>
+          <a:effectRef idx="0">
+            <a:scrgbClr r="0" g="0" b="0"/>
           </a:effectRef>
           <a:fontRef idx="minor">
             <a:schemeClr val="dk1"/>
@@ -9032,8 +9060,8 @@
         </p:nvSpPr>
         <p:spPr>
           <a:xfrm>
-            <a:off x="838200" y="1630754"/>
-            <a:ext cx="10688714" cy="369332"/>
+            <a:off x="838200" y="1399922"/>
+            <a:ext cx="10688714" cy="830997"/>
           </a:xfrm>
           <a:prstGeom prst="rect">
             <a:avLst/>
@@ -9051,7 +9079,7 @@
               <a:buChar char="Ø"/>
             </a:pPr>
             <a:r>
-              <a:rPr lang="en-US" b="1" dirty="0"/>
+              <a:rPr lang="en-US" sz="2400" b="1" dirty="0"/>
               <a:t>Error calculated using Mean Square Error and model is trained using Adam Optimizer</a:t>
             </a:r>
           </a:p>
@@ -9071,8 +9099,8 @@
         </p:nvSpPr>
         <p:spPr>
           <a:xfrm>
-            <a:off x="838200" y="3084646"/>
-            <a:ext cx="10688714" cy="369332"/>
+            <a:off x="838200" y="4272476"/>
+            <a:ext cx="10688714" cy="461665"/>
           </a:xfrm>
           <a:prstGeom prst="rect">
             <a:avLst/>
@@ -9090,7 +9118,7 @@
               <a:buChar char="Ø"/>
             </a:pPr>
             <a:r>
-              <a:rPr lang="en-US" b="1" dirty="0"/>
+              <a:rPr lang="en-US" sz="2400" b="1" dirty="0"/>
               <a:t>Test data used to validate and predict the results based on training data</a:t>
             </a:r>
           </a:p>
@@ -9110,8 +9138,8 @@
         </p:nvSpPr>
         <p:spPr>
           <a:xfrm>
-            <a:off x="838200" y="2152486"/>
-            <a:ext cx="10688714" cy="369332"/>
+            <a:off x="838200" y="2518328"/>
+            <a:ext cx="10688714" cy="461665"/>
           </a:xfrm>
           <a:prstGeom prst="rect">
             <a:avLst/>
@@ -9129,7 +9157,7 @@
               <a:buChar char="Ø"/>
             </a:pPr>
             <a:r>
-              <a:rPr lang="en-US" b="1" dirty="0"/>
+              <a:rPr lang="en-US" sz="2400" b="1" dirty="0"/>
               <a:t>Final Dense layer added to extract 2 features ( 2 cities)</a:t>
             </a:r>
           </a:p>
@@ -9149,8 +9177,8 @@
         </p:nvSpPr>
         <p:spPr>
           <a:xfrm>
-            <a:off x="838200" y="2573837"/>
-            <a:ext cx="10688714" cy="369332"/>
+            <a:off x="838200" y="3450949"/>
+            <a:ext cx="10688714" cy="461665"/>
           </a:xfrm>
           <a:prstGeom prst="rect">
             <a:avLst/>
@@ -9168,7 +9196,7 @@
               <a:buChar char="Ø"/>
             </a:pPr>
             <a:r>
-              <a:rPr lang="en-US" b="1" dirty="0"/>
+              <a:rPr lang="en-US" sz="2400" b="1" dirty="0"/>
               <a:t>Trained the model with 20 Epochs</a:t>
             </a:r>
           </a:p>
@@ -9184,13 +9212,13 @@
   <p:clrMapOvr>
     <a:masterClrMapping/>
   </p:clrMapOvr>
-  <mc:AlternateContent xmlns:mc="http://schemas.openxmlformats.org/markup-compatibility/2006">
-    <mc:Choice xmlns:p15="http://schemas.microsoft.com/office/powerpoint/2012/main" Requires="p15">
+  <mc:AlternateContent xmlns:mc="http://schemas.openxmlformats.org/markup-compatibility/2006" xmlns:p15="http://schemas.microsoft.com/office/powerpoint/2012/main">
+    <mc:Choice Requires="p15">
       <p:transition xmlns:p14="http://schemas.microsoft.com/office/powerpoint/2010/main" spd="slow" p14:dur="1250">
         <p15:prstTrans prst="peelOff"/>
       </p:transition>
     </mc:Choice>
-    <mc:Fallback>
+    <mc:Fallback xmlns="">
       <p:transition spd="slow">
         <p:fade/>
       </p:transition>
@@ -9760,13 +9788,13 @@
   <p:clrMapOvr>
     <a:masterClrMapping/>
   </p:clrMapOvr>
-  <mc:AlternateContent xmlns:mc="http://schemas.openxmlformats.org/markup-compatibility/2006">
-    <mc:Choice xmlns:p15="http://schemas.microsoft.com/office/powerpoint/2012/main" Requires="p15">
+  <mc:AlternateContent xmlns:mc="http://schemas.openxmlformats.org/markup-compatibility/2006" xmlns:p15="http://schemas.microsoft.com/office/powerpoint/2012/main">
+    <mc:Choice Requires="p15">
       <p:transition xmlns:p14="http://schemas.microsoft.com/office/powerpoint/2010/main" spd="slow" p14:dur="1250">
         <p15:prstTrans prst="peelOff"/>
       </p:transition>
     </mc:Choice>
-    <mc:Fallback>
+    <mc:Fallback xmlns="">
       <p:transition spd="slow">
         <p:fade/>
       </p:transition>
@@ -9912,38 +9940,26 @@
           <a:prstGeom prst="rect">
             <a:avLst/>
           </a:prstGeom>
-          <a:gradFill>
-            <a:gsLst>
-              <a:gs pos="0">
-                <a:schemeClr val="accent6">
-                  <a:lumMod val="60000"/>
-                  <a:lumOff val="40000"/>
-                </a:schemeClr>
-              </a:gs>
-              <a:gs pos="50000">
-                <a:schemeClr val="accent6">
-                  <a:lumMod val="20000"/>
-                  <a:lumOff val="80000"/>
-                </a:schemeClr>
-              </a:gs>
-              <a:gs pos="100000">
-                <a:schemeClr val="accent6">
-                  <a:lumMod val="60000"/>
-                  <a:lumOff val="40000"/>
-                </a:schemeClr>
-              </a:gs>
-            </a:gsLst>
-          </a:gradFill>
+          <a:noFill/>
+          <a:ln w="9525" cap="flat" cmpd="sng" algn="ctr">
+            <a:solidFill>
+              <a:schemeClr val="dk1"/>
+            </a:solidFill>
+            <a:prstDash val="solid"/>
+            <a:round/>
+            <a:headEnd type="none" w="med" len="med"/>
+            <a:tailEnd type="none" w="med" len="med"/>
+          </a:ln>
         </p:spPr>
         <p:style>
-          <a:lnRef idx="1">
-            <a:schemeClr val="dk1"/>
+          <a:lnRef idx="0">
+            <a:scrgbClr r="0" g="0" b="0"/>
           </a:lnRef>
-          <a:fillRef idx="2">
-            <a:schemeClr val="dk1"/>
+          <a:fillRef idx="0">
+            <a:scrgbClr r="0" g="0" b="0"/>
           </a:fillRef>
-          <a:effectRef idx="1">
-            <a:schemeClr val="dk1"/>
+          <a:effectRef idx="0">
+            <a:scrgbClr r="0" g="0" b="0"/>
           </a:effectRef>
           <a:fontRef idx="minor">
             <a:schemeClr val="dk1"/>
@@ -10070,8 +10086,8 @@
         </p:nvSpPr>
         <p:spPr>
           <a:xfrm>
-            <a:off x="491970" y="2306647"/>
-            <a:ext cx="4728099" cy="369332"/>
+            <a:off x="491970" y="2260481"/>
+            <a:ext cx="4728099" cy="461665"/>
           </a:xfrm>
           <a:prstGeom prst="rect">
             <a:avLst/>
@@ -10089,7 +10105,7 @@
               <a:buChar char="Ø"/>
             </a:pPr>
             <a:r>
-              <a:rPr lang="en-US" b="1" dirty="0"/>
+              <a:rPr lang="en-US" sz="2400" b="1" dirty="0"/>
               <a:t>Building a Pickle file</a:t>
             </a:r>
           </a:p>
@@ -10109,8 +10125,8 @@
         </p:nvSpPr>
         <p:spPr>
           <a:xfrm>
-            <a:off x="412072" y="3263181"/>
-            <a:ext cx="4728099" cy="646331"/>
+            <a:off x="412072" y="2986182"/>
+            <a:ext cx="4728099" cy="1200329"/>
           </a:xfrm>
           <a:prstGeom prst="rect">
             <a:avLst/>
@@ -10128,7 +10144,7 @@
               <a:buChar char="Ø"/>
             </a:pPr>
             <a:r>
-              <a:rPr lang="en-US" b="1" dirty="0"/>
+              <a:rPr lang="en-US" sz="2400" b="1" dirty="0"/>
               <a:t>Deploying the Model to the Cloud Environment (AWS/Google Cloud/Azure)</a:t>
             </a:r>
           </a:p>
@@ -10156,38 +10172,26 @@
           <a:prstGeom prst="rect">
             <a:avLst/>
           </a:prstGeom>
-          <a:gradFill>
-            <a:gsLst>
-              <a:gs pos="0">
-                <a:schemeClr val="accent6">
-                  <a:lumMod val="60000"/>
-                  <a:lumOff val="40000"/>
-                </a:schemeClr>
-              </a:gs>
-              <a:gs pos="50000">
-                <a:schemeClr val="accent6">
-                  <a:lumMod val="20000"/>
-                  <a:lumOff val="80000"/>
-                </a:schemeClr>
-              </a:gs>
-              <a:gs pos="100000">
-                <a:schemeClr val="accent6">
-                  <a:lumMod val="60000"/>
-                  <a:lumOff val="40000"/>
-                </a:schemeClr>
-              </a:gs>
-            </a:gsLst>
-          </a:gradFill>
+          <a:noFill/>
+          <a:ln w="9525" cap="flat" cmpd="sng" algn="ctr">
+            <a:solidFill>
+              <a:schemeClr val="dk1"/>
+            </a:solidFill>
+            <a:prstDash val="solid"/>
+            <a:round/>
+            <a:headEnd type="none" w="med" len="med"/>
+            <a:tailEnd type="none" w="med" len="med"/>
+          </a:ln>
         </p:spPr>
         <p:style>
-          <a:lnRef idx="1">
-            <a:schemeClr val="dk1"/>
+          <a:lnRef idx="0">
+            <a:scrgbClr r="0" g="0" b="0"/>
           </a:lnRef>
-          <a:fillRef idx="2">
-            <a:schemeClr val="dk1"/>
+          <a:fillRef idx="0">
+            <a:scrgbClr r="0" g="0" b="0"/>
           </a:fillRef>
-          <a:effectRef idx="1">
-            <a:schemeClr val="dk1"/>
+          <a:effectRef idx="0">
+            <a:scrgbClr r="0" g="0" b="0"/>
           </a:effectRef>
           <a:fontRef idx="minor">
             <a:schemeClr val="dk1"/>
@@ -10350,8 +10354,8 @@
         </p:nvSpPr>
         <p:spPr>
           <a:xfrm>
-            <a:off x="7146522" y="2306647"/>
-            <a:ext cx="3939665" cy="369332"/>
+            <a:off x="7146522" y="2260481"/>
+            <a:ext cx="3939665" cy="461665"/>
           </a:xfrm>
           <a:prstGeom prst="rect">
             <a:avLst/>
@@ -10369,7 +10373,7 @@
               <a:buChar char="Ø"/>
             </a:pPr>
             <a:r>
-              <a:rPr lang="en-US" b="1" dirty="0"/>
+              <a:rPr lang="en-US" sz="2400" b="1" dirty="0"/>
               <a:t>Soil Analysis</a:t>
             </a:r>
           </a:p>
@@ -10389,8 +10393,8 @@
         </p:nvSpPr>
         <p:spPr>
           <a:xfrm>
-            <a:off x="7146523" y="3244334"/>
-            <a:ext cx="3939665" cy="369332"/>
+            <a:off x="7146523" y="3198168"/>
+            <a:ext cx="3939665" cy="461665"/>
           </a:xfrm>
           <a:prstGeom prst="rect">
             <a:avLst/>
@@ -10408,7 +10412,7 @@
               <a:buChar char="Ø"/>
             </a:pPr>
             <a:r>
-              <a:rPr lang="en-US" b="1" dirty="0"/>
+              <a:rPr lang="en-US" sz="2400" b="1" dirty="0"/>
               <a:t>Weather Prediction</a:t>
             </a:r>
           </a:p>
@@ -10428,8 +10432,8 @@
         </p:nvSpPr>
         <p:spPr>
           <a:xfrm>
-            <a:off x="7146523" y="4460641"/>
-            <a:ext cx="3939665" cy="369332"/>
+            <a:off x="7146523" y="4414475"/>
+            <a:ext cx="3939665" cy="461665"/>
           </a:xfrm>
           <a:prstGeom prst="rect">
             <a:avLst/>
@@ -10447,7 +10451,7 @@
               <a:buChar char="Ø"/>
             </a:pPr>
             <a:r>
-              <a:rPr lang="en-US" b="1" dirty="0"/>
+              <a:rPr lang="en-US" sz="2400" b="1" dirty="0"/>
               <a:t>Create Mobile Application</a:t>
             </a:r>
           </a:p>
@@ -10467,8 +10471,8 @@
         </p:nvSpPr>
         <p:spPr>
           <a:xfrm>
-            <a:off x="491971" y="4457820"/>
-            <a:ext cx="4728099" cy="369332"/>
+            <a:off x="491971" y="4411654"/>
+            <a:ext cx="4728099" cy="461665"/>
           </a:xfrm>
           <a:prstGeom prst="rect">
             <a:avLst/>
@@ -10486,7 +10490,7 @@
               <a:buChar char="Ø"/>
             </a:pPr>
             <a:r>
-              <a:rPr lang="en-US" b="1" dirty="0"/>
+              <a:rPr lang="en-US" sz="2400" b="1" dirty="0"/>
               <a:t>Build REST API Services</a:t>
             </a:r>
           </a:p>
@@ -10502,13 +10506,13 @@
   <p:clrMapOvr>
     <a:masterClrMapping/>
   </p:clrMapOvr>
-  <mc:AlternateContent xmlns:mc="http://schemas.openxmlformats.org/markup-compatibility/2006">
-    <mc:Choice xmlns:p15="http://schemas.microsoft.com/office/powerpoint/2012/main" Requires="p15">
+  <mc:AlternateContent xmlns:mc="http://schemas.openxmlformats.org/markup-compatibility/2006" xmlns:p15="http://schemas.microsoft.com/office/powerpoint/2012/main">
+    <mc:Choice Requires="p15">
       <p:transition xmlns:p14="http://schemas.microsoft.com/office/powerpoint/2010/main" spd="slow" p14:dur="1250">
         <p15:prstTrans prst="peelOff"/>
       </p:transition>
     </mc:Choice>
-    <mc:Fallback>
+    <mc:Fallback xmlns="">
       <p:transition spd="slow">
         <p:fade/>
       </p:transition>
@@ -10959,7 +10963,7 @@
         </p:spPr>
         <p:txBody>
           <a:bodyPr>
-            <a:normAutofit/>
+            <a:noAutofit/>
           </a:bodyPr>
           <a:lstStyle/>
           <a:p>
@@ -10970,7 +10974,7 @@
               <a:buNone/>
             </a:pPr>
             <a:r>
-              <a:rPr lang="en-US" sz="1800" b="1" dirty="0"/>
+              <a:rPr lang="en-US" sz="2400" b="1" dirty="0"/>
               <a:t>In recent years, great efforts have been undertaken on the challenging task of predicting Millet price. Developing accurate models for predicting price using Information and Communication Technologies may help farmers and other stakeholders improve decision making in relation to national food import/exports and food security. In future we can add more features such as comparison of different non-perishable crops and add more regions to find correlation of price variation to improve the accuracy of price prediction. The most important factor for successful prediction would be high-quality and up-to-date data. </a:t>
             </a:r>
           </a:p>
@@ -10998,38 +11002,26 @@
           <a:prstGeom prst="rect">
             <a:avLst/>
           </a:prstGeom>
-          <a:gradFill>
-            <a:gsLst>
-              <a:gs pos="0">
-                <a:schemeClr val="accent6">
-                  <a:lumMod val="60000"/>
-                  <a:lumOff val="40000"/>
-                </a:schemeClr>
-              </a:gs>
-              <a:gs pos="50000">
-                <a:schemeClr val="accent6">
-                  <a:lumMod val="20000"/>
-                  <a:lumOff val="80000"/>
-                </a:schemeClr>
-              </a:gs>
-              <a:gs pos="100000">
-                <a:schemeClr val="accent6">
-                  <a:lumMod val="60000"/>
-                  <a:lumOff val="40000"/>
-                </a:schemeClr>
-              </a:gs>
-            </a:gsLst>
-          </a:gradFill>
+          <a:noFill/>
+          <a:ln w="9525" cap="flat" cmpd="sng" algn="ctr">
+            <a:solidFill>
+              <a:schemeClr val="dk1"/>
+            </a:solidFill>
+            <a:prstDash val="solid"/>
+            <a:round/>
+            <a:headEnd type="none" w="med" len="med"/>
+            <a:tailEnd type="none" w="med" len="med"/>
+          </a:ln>
         </p:spPr>
         <p:style>
-          <a:lnRef idx="1">
-            <a:schemeClr val="dk1"/>
+          <a:lnRef idx="0">
+            <a:scrgbClr r="0" g="0" b="0"/>
           </a:lnRef>
-          <a:fillRef idx="2">
-            <a:schemeClr val="dk1"/>
+          <a:fillRef idx="0">
+            <a:scrgbClr r="0" g="0" b="0"/>
           </a:fillRef>
-          <a:effectRef idx="1">
-            <a:schemeClr val="dk1"/>
+          <a:effectRef idx="0">
+            <a:scrgbClr r="0" g="0" b="0"/>
           </a:effectRef>
           <a:fontRef idx="minor">
             <a:schemeClr val="dk1"/>
@@ -11152,13 +11144,13 @@
   <p:clrMapOvr>
     <a:masterClrMapping/>
   </p:clrMapOvr>
-  <mc:AlternateContent xmlns:mc="http://schemas.openxmlformats.org/markup-compatibility/2006">
-    <mc:Choice xmlns:p15="http://schemas.microsoft.com/office/powerpoint/2012/main" Requires="p15">
+  <mc:AlternateContent xmlns:mc="http://schemas.openxmlformats.org/markup-compatibility/2006" xmlns:p15="http://schemas.microsoft.com/office/powerpoint/2012/main">
+    <mc:Choice Requires="p15">
       <p:transition xmlns:p14="http://schemas.microsoft.com/office/powerpoint/2010/main" spd="slow" p14:dur="1250">
         <p15:prstTrans prst="peelOff"/>
       </p:transition>
     </mc:Choice>
-    <mc:Fallback>
+    <mc:Fallback xmlns="">
       <p:transition spd="slow">
         <p:fade/>
       </p:transition>
@@ -11374,13 +11366,13 @@
   <p:clrMapOvr>
     <a:masterClrMapping/>
   </p:clrMapOvr>
-  <mc:AlternateContent xmlns:mc="http://schemas.openxmlformats.org/markup-compatibility/2006">
-    <mc:Choice xmlns:p15="http://schemas.microsoft.com/office/powerpoint/2012/main" Requires="p15">
+  <mc:AlternateContent xmlns:mc="http://schemas.openxmlformats.org/markup-compatibility/2006" xmlns:p15="http://schemas.microsoft.com/office/powerpoint/2012/main">
+    <mc:Choice Requires="p15">
       <p:transition xmlns:p14="http://schemas.microsoft.com/office/powerpoint/2010/main" spd="slow" p14:dur="1250">
         <p15:prstTrans prst="peelOff"/>
       </p:transition>
     </mc:Choice>
-    <mc:Fallback>
+    <mc:Fallback xmlns="">
       <p:transition spd="slow">
         <p:fade/>
       </p:transition>
@@ -11436,41 +11428,26 @@
             <a:off x="0" y="12242"/>
             <a:ext cx="12192000" cy="945502"/>
           </a:xfrm>
-          <a:gradFill>
-            <a:gsLst>
-              <a:gs pos="0">
-                <a:schemeClr val="accent6">
-                  <a:lumMod val="60000"/>
-                  <a:lumOff val="40000"/>
-                </a:schemeClr>
-              </a:gs>
-              <a:gs pos="50000">
-                <a:schemeClr val="accent6">
-                  <a:lumMod val="20000"/>
-                  <a:lumOff val="80000"/>
-                </a:schemeClr>
-              </a:gs>
-              <a:gs pos="100000">
-                <a:schemeClr val="accent6">
-                  <a:lumMod val="60000"/>
-                  <a:lumOff val="40000"/>
-                </a:schemeClr>
-              </a:gs>
-            </a:gsLst>
-          </a:gradFill>
-          <a:ln>
-            <a:noFill/>
+          <a:noFill/>
+          <a:ln w="9525" cap="flat" cmpd="sng" algn="ctr">
+            <a:solidFill>
+              <a:schemeClr val="dk1"/>
+            </a:solidFill>
+            <a:prstDash val="solid"/>
+            <a:round/>
+            <a:headEnd type="none" w="med" len="med"/>
+            <a:tailEnd type="none" w="med" len="med"/>
           </a:ln>
         </p:spPr>
         <p:style>
-          <a:lnRef idx="1">
-            <a:schemeClr val="dk1"/>
+          <a:lnRef idx="0">
+            <a:scrgbClr r="0" g="0" b="0"/>
           </a:lnRef>
-          <a:fillRef idx="2">
-            <a:schemeClr val="dk1"/>
+          <a:fillRef idx="0">
+            <a:scrgbClr r="0" g="0" b="0"/>
           </a:fillRef>
-          <a:effectRef idx="1">
-            <a:schemeClr val="dk1"/>
+          <a:effectRef idx="0">
+            <a:scrgbClr r="0" g="0" b="0"/>
           </a:effectRef>
           <a:fontRef idx="minor">
             <a:schemeClr val="dk1"/>
@@ -11505,6 +11482,147 @@
         <p:spPr>
           <a:xfrm>
             <a:off x="874475" y="1821635"/>
+            <a:ext cx="10198962" cy="954107"/>
+          </a:xfrm>
+          <a:prstGeom prst="rect">
+            <a:avLst/>
+          </a:prstGeom>
+          <a:noFill/>
+        </p:spPr>
+        <p:txBody>
+          <a:bodyPr wrap="square" rtlCol="0">
+            <a:spAutoFit/>
+          </a:bodyPr>
+          <a:lstStyle/>
+          <a:p>
+            <a:pPr marL="285750" indent="-285750">
+              <a:buFont typeface="Wingdings" panose="05000000000000000000" pitchFamily="2" charset="2"/>
+              <a:buChar char="Ø"/>
+            </a:pPr>
+            <a:r>
+              <a:rPr lang="en-US" sz="2400" b="1" dirty="0"/>
+              <a:t>Agriculture is Important sector in the Indian economy as it contributes around </a:t>
+            </a:r>
+            <a:r>
+              <a:rPr lang="en-US" sz="3200" b="1" dirty="0"/>
+              <a:t>16% </a:t>
+            </a:r>
+            <a:r>
+              <a:rPr lang="en-US" sz="2400" b="1" dirty="0"/>
+              <a:t>of India’s GDP</a:t>
+            </a:r>
+          </a:p>
+        </p:txBody>
+      </p:sp>
+      <p:sp>
+        <p:nvSpPr>
+          <p:cNvPr id="42" name="TextBox 41">
+            <a:extLst>
+              <a:ext uri="{FF2B5EF4-FFF2-40B4-BE49-F238E27FC236}">
+                <a16:creationId xmlns:a16="http://schemas.microsoft.com/office/drawing/2014/main" id="{D5877F13-7308-4F87-93A8-2EF8369EA2E2}"/>
+              </a:ext>
+            </a:extLst>
+          </p:cNvPr>
+          <p:cNvSpPr txBox="1"/>
+          <p:nvPr/>
+        </p:nvSpPr>
+        <p:spPr>
+          <a:xfrm>
+            <a:off x="874476" y="3288206"/>
+            <a:ext cx="10261816" cy="954107"/>
+          </a:xfrm>
+          <a:prstGeom prst="rect">
+            <a:avLst/>
+          </a:prstGeom>
+          <a:noFill/>
+        </p:spPr>
+        <p:txBody>
+          <a:bodyPr wrap="square" rtlCol="0">
+            <a:spAutoFit/>
+          </a:bodyPr>
+          <a:lstStyle/>
+          <a:p>
+            <a:pPr marL="342900" indent="-342900">
+              <a:buFont typeface="Wingdings" panose="05000000000000000000" pitchFamily="2" charset="2"/>
+              <a:buChar char="Ø"/>
+            </a:pPr>
+            <a:r>
+              <a:rPr lang="en-US" sz="2400" b="1" dirty="0"/>
+              <a:t> </a:t>
+            </a:r>
+            <a:r>
+              <a:rPr lang="en-US" sz="3200" b="1" dirty="0"/>
+              <a:t> 70% </a:t>
+            </a:r>
+            <a:r>
+              <a:rPr lang="en-US" sz="2400" b="1" dirty="0"/>
+              <a:t>of its rural households still depend primarily on agriculture, with 82% of farmers being small and medium farmers</a:t>
+            </a:r>
+          </a:p>
+        </p:txBody>
+      </p:sp>
+      <p:sp>
+        <p:nvSpPr>
+          <p:cNvPr id="43" name="TextBox 42">
+            <a:extLst>
+              <a:ext uri="{FF2B5EF4-FFF2-40B4-BE49-F238E27FC236}">
+                <a16:creationId xmlns:a16="http://schemas.microsoft.com/office/drawing/2014/main" id="{7022280A-A40D-49E2-8B96-1785CC588E8B}"/>
+              </a:ext>
+            </a:extLst>
+          </p:cNvPr>
+          <p:cNvSpPr txBox="1"/>
+          <p:nvPr/>
+        </p:nvSpPr>
+        <p:spPr>
+          <a:xfrm>
+            <a:off x="874474" y="2703431"/>
+            <a:ext cx="10198962" cy="584775"/>
+          </a:xfrm>
+          <a:prstGeom prst="rect">
+            <a:avLst/>
+          </a:prstGeom>
+          <a:noFill/>
+        </p:spPr>
+        <p:txBody>
+          <a:bodyPr wrap="square" rtlCol="0">
+            <a:spAutoFit/>
+          </a:bodyPr>
+          <a:lstStyle/>
+          <a:p>
+            <a:pPr marL="285750" indent="-285750">
+              <a:buFont typeface="Wingdings" panose="05000000000000000000" pitchFamily="2" charset="2"/>
+              <a:buChar char="Ø"/>
+            </a:pPr>
+            <a:r>
+              <a:rPr lang="en-US" sz="2400" b="1" dirty="0"/>
+              <a:t>Global demand for food is anticipated to increase by </a:t>
+            </a:r>
+            <a:r>
+              <a:rPr lang="en-US" sz="3200" b="1" dirty="0"/>
+              <a:t>60%</a:t>
+            </a:r>
+            <a:r>
+              <a:rPr lang="en-US" sz="2400" b="1" dirty="0"/>
+              <a:t> by 2050</a:t>
+            </a:r>
+          </a:p>
+        </p:txBody>
+      </p:sp>
+      <p:sp>
+        <p:nvSpPr>
+          <p:cNvPr id="44" name="TextBox 43">
+            <a:extLst>
+              <a:ext uri="{FF2B5EF4-FFF2-40B4-BE49-F238E27FC236}">
+                <a16:creationId xmlns:a16="http://schemas.microsoft.com/office/drawing/2014/main" id="{09FFECF5-E68A-40F3-A6E5-A14335256DF4}"/>
+              </a:ext>
+            </a:extLst>
+          </p:cNvPr>
+          <p:cNvSpPr txBox="1"/>
+          <p:nvPr/>
+        </p:nvSpPr>
+        <p:spPr>
+          <a:xfrm>
+            <a:off x="874476" y="4282494"/>
             <a:ext cx="10198962" cy="461665"/>
           </a:xfrm>
           <a:prstGeom prst="rect">
@@ -11523,148 +11641,7 @@
               <a:buChar char="Ø"/>
             </a:pPr>
             <a:r>
-              <a:rPr lang="en-US" b="1" dirty="0"/>
-              <a:t>Agriculture is Important sector in the Indian economy as it contributes around </a:t>
-            </a:r>
-            <a:r>
               <a:rPr lang="en-US" sz="2400" b="1" dirty="0"/>
-              <a:t>16% </a:t>
-            </a:r>
-            <a:r>
-              <a:rPr lang="en-US" b="1" dirty="0"/>
-              <a:t>of India’s GDP</a:t>
-            </a:r>
-          </a:p>
-        </p:txBody>
-      </p:sp>
-      <p:sp>
-        <p:nvSpPr>
-          <p:cNvPr id="42" name="TextBox 41">
-            <a:extLst>
-              <a:ext uri="{FF2B5EF4-FFF2-40B4-BE49-F238E27FC236}">
-                <a16:creationId xmlns:a16="http://schemas.microsoft.com/office/drawing/2014/main" id="{D5877F13-7308-4F87-93A8-2EF8369EA2E2}"/>
-              </a:ext>
-            </a:extLst>
-          </p:cNvPr>
-          <p:cNvSpPr txBox="1"/>
-          <p:nvPr/>
-        </p:nvSpPr>
-        <p:spPr>
-          <a:xfrm>
-            <a:off x="874476" y="2982788"/>
-            <a:ext cx="10261816" cy="738664"/>
-          </a:xfrm>
-          <a:prstGeom prst="rect">
-            <a:avLst/>
-          </a:prstGeom>
-          <a:noFill/>
-        </p:spPr>
-        <p:txBody>
-          <a:bodyPr wrap="square" rtlCol="0">
-            <a:spAutoFit/>
-          </a:bodyPr>
-          <a:lstStyle/>
-          <a:p>
-            <a:pPr marL="342900" indent="-342900">
-              <a:buFont typeface="Wingdings" panose="05000000000000000000" pitchFamily="2" charset="2"/>
-              <a:buChar char="Ø"/>
-            </a:pPr>
-            <a:r>
-              <a:rPr lang="en-US" b="1" dirty="0"/>
-              <a:t> </a:t>
-            </a:r>
-            <a:r>
-              <a:rPr lang="en-US" sz="2400" b="1" dirty="0"/>
-              <a:t> 70% </a:t>
-            </a:r>
-            <a:r>
-              <a:rPr lang="en-US" b="1" dirty="0"/>
-              <a:t>of its rural households still depend primarily on agriculture, with 82% of farmers being small and medium farmers</a:t>
-            </a:r>
-          </a:p>
-        </p:txBody>
-      </p:sp>
-      <p:sp>
-        <p:nvSpPr>
-          <p:cNvPr id="43" name="TextBox 42">
-            <a:extLst>
-              <a:ext uri="{FF2B5EF4-FFF2-40B4-BE49-F238E27FC236}">
-                <a16:creationId xmlns:a16="http://schemas.microsoft.com/office/drawing/2014/main" id="{7022280A-A40D-49E2-8B96-1785CC588E8B}"/>
-              </a:ext>
-            </a:extLst>
-          </p:cNvPr>
-          <p:cNvSpPr txBox="1"/>
-          <p:nvPr/>
-        </p:nvSpPr>
-        <p:spPr>
-          <a:xfrm>
-            <a:off x="874474" y="2402211"/>
-            <a:ext cx="10198962" cy="461665"/>
-          </a:xfrm>
-          <a:prstGeom prst="rect">
-            <a:avLst/>
-          </a:prstGeom>
-          <a:noFill/>
-        </p:spPr>
-        <p:txBody>
-          <a:bodyPr wrap="square" rtlCol="0">
-            <a:spAutoFit/>
-          </a:bodyPr>
-          <a:lstStyle/>
-          <a:p>
-            <a:pPr marL="285750" indent="-285750">
-              <a:buFont typeface="Wingdings" panose="05000000000000000000" pitchFamily="2" charset="2"/>
-              <a:buChar char="Ø"/>
-            </a:pPr>
-            <a:r>
-              <a:rPr lang="en-US" b="1" dirty="0"/>
-              <a:t>Global demand for food is anticipated to increase by </a:t>
-            </a:r>
-            <a:r>
-              <a:rPr lang="en-US" sz="2400" b="1" dirty="0"/>
-              <a:t>60%</a:t>
-            </a:r>
-            <a:r>
-              <a:rPr lang="en-US" b="1" dirty="0"/>
-              <a:t> by 2050</a:t>
-            </a:r>
-          </a:p>
-        </p:txBody>
-      </p:sp>
-      <p:sp>
-        <p:nvSpPr>
-          <p:cNvPr id="44" name="TextBox 43">
-            <a:extLst>
-              <a:ext uri="{FF2B5EF4-FFF2-40B4-BE49-F238E27FC236}">
-                <a16:creationId xmlns:a16="http://schemas.microsoft.com/office/drawing/2014/main" id="{09FFECF5-E68A-40F3-A6E5-A14335256DF4}"/>
-              </a:ext>
-            </a:extLst>
-          </p:cNvPr>
-          <p:cNvSpPr txBox="1"/>
-          <p:nvPr/>
-        </p:nvSpPr>
-        <p:spPr>
-          <a:xfrm>
-            <a:off x="874476" y="3788384"/>
-            <a:ext cx="10198962" cy="369332"/>
-          </a:xfrm>
-          <a:prstGeom prst="rect">
-            <a:avLst/>
-          </a:prstGeom>
-          <a:noFill/>
-        </p:spPr>
-        <p:txBody>
-          <a:bodyPr wrap="square" rtlCol="0">
-            <a:spAutoFit/>
-          </a:bodyPr>
-          <a:lstStyle/>
-          <a:p>
-            <a:pPr marL="285750" indent="-285750">
-              <a:buFont typeface="Wingdings" panose="05000000000000000000" pitchFamily="2" charset="2"/>
-              <a:buChar char="Ø"/>
-            </a:pPr>
-            <a:r>
-              <a:rPr lang="en-US" b="1" dirty="0"/>
               <a:t>India is highest producers Millet across world</a:t>
             </a:r>
           </a:p>
@@ -11680,13 +11657,13 @@
   <p:clrMapOvr>
     <a:masterClrMapping/>
   </p:clrMapOvr>
-  <mc:AlternateContent xmlns:mc="http://schemas.openxmlformats.org/markup-compatibility/2006">
-    <mc:Choice xmlns:p15="http://schemas.microsoft.com/office/powerpoint/2012/main" Requires="p15">
+  <mc:AlternateContent xmlns:mc="http://schemas.openxmlformats.org/markup-compatibility/2006" xmlns:p15="http://schemas.microsoft.com/office/powerpoint/2012/main">
+    <mc:Choice Requires="p15">
       <p:transition xmlns:p14="http://schemas.microsoft.com/office/powerpoint/2010/main" spd="slow" p14:dur="1250">
         <p15:prstTrans prst="peelOff"/>
       </p:transition>
     </mc:Choice>
-    <mc:Fallback>
+    <mc:Fallback xmlns="">
       <p:transition spd="slow">
         <p:fade/>
       </p:transition>
@@ -11989,8 +11966,8 @@
         </p:nvSpPr>
         <p:spPr>
           <a:xfrm>
-            <a:off x="1032981" y="2858739"/>
-            <a:ext cx="10688714" cy="369332"/>
+            <a:off x="1032981" y="3567175"/>
+            <a:ext cx="10688714" cy="461665"/>
           </a:xfrm>
           <a:prstGeom prst="rect">
             <a:avLst/>
@@ -12008,7 +11985,7 @@
               <a:buChar char="Ø"/>
             </a:pPr>
             <a:r>
-              <a:rPr lang="en-US" b="1" dirty="0"/>
+              <a:rPr lang="en-US" sz="2400" b="1" dirty="0"/>
               <a:t>Data Collection </a:t>
             </a:r>
           </a:p>
@@ -12028,8 +12005,8 @@
         </p:nvSpPr>
         <p:spPr>
           <a:xfrm>
-            <a:off x="1032981" y="1529854"/>
-            <a:ext cx="10688714" cy="369332"/>
+            <a:off x="1032981" y="1569962"/>
+            <a:ext cx="10688714" cy="461665"/>
           </a:xfrm>
           <a:prstGeom prst="rect">
             <a:avLst/>
@@ -12047,7 +12024,7 @@
               <a:buChar char="Ø"/>
             </a:pPr>
             <a:r>
-              <a:rPr lang="en-US" b="1" dirty="0"/>
+              <a:rPr lang="en-US" sz="2400" b="1" dirty="0"/>
               <a:t>Predicting Finger Millet prices will be useful for farmers  </a:t>
             </a:r>
           </a:p>
@@ -12067,8 +12044,8 @@
         </p:nvSpPr>
         <p:spPr>
           <a:xfrm>
-            <a:off x="1032981" y="2148130"/>
-            <a:ext cx="10688714" cy="646331"/>
+            <a:off x="1032981" y="2255091"/>
+            <a:ext cx="10688714" cy="1200329"/>
           </a:xfrm>
           <a:prstGeom prst="rect">
             <a:avLst/>
@@ -12086,7 +12063,7 @@
               <a:buChar char="Ø"/>
             </a:pPr>
             <a:r>
-              <a:rPr lang="en-US" b="1" dirty="0"/>
+              <a:rPr lang="en-US" sz="2400" b="1" dirty="0"/>
               <a:t>Price behavior of a commodity plays crucial role in farm-level crop production planning that includes Transportation, Storing and estimation of right price for crop.</a:t>
             </a:r>
           </a:p>
@@ -12113,41 +12090,26 @@
             <a:off x="0" y="12242"/>
             <a:ext cx="12192000" cy="945502"/>
           </a:xfrm>
-          <a:gradFill>
-            <a:gsLst>
-              <a:gs pos="0">
-                <a:schemeClr val="accent6">
-                  <a:lumMod val="60000"/>
-                  <a:lumOff val="40000"/>
-                </a:schemeClr>
-              </a:gs>
-              <a:gs pos="50000">
-                <a:schemeClr val="accent6">
-                  <a:lumMod val="20000"/>
-                  <a:lumOff val="80000"/>
-                </a:schemeClr>
-              </a:gs>
-              <a:gs pos="100000">
-                <a:schemeClr val="accent6">
-                  <a:lumMod val="60000"/>
-                  <a:lumOff val="40000"/>
-                </a:schemeClr>
-              </a:gs>
-            </a:gsLst>
-          </a:gradFill>
-          <a:ln>
-            <a:noFill/>
+          <a:noFill/>
+          <a:ln w="9525" cap="flat" cmpd="sng" algn="ctr">
+            <a:solidFill>
+              <a:schemeClr val="dk1"/>
+            </a:solidFill>
+            <a:prstDash val="solid"/>
+            <a:round/>
+            <a:headEnd type="none" w="med" len="med"/>
+            <a:tailEnd type="none" w="med" len="med"/>
           </a:ln>
         </p:spPr>
         <p:style>
-          <a:lnRef idx="1">
-            <a:schemeClr val="dk1"/>
+          <a:lnRef idx="0">
+            <a:scrgbClr r="0" g="0" b="0"/>
           </a:lnRef>
-          <a:fillRef idx="2">
-            <a:schemeClr val="dk1"/>
+          <a:fillRef idx="0">
+            <a:scrgbClr r="0" g="0" b="0"/>
           </a:fillRef>
-          <a:effectRef idx="1">
-            <a:schemeClr val="dk1"/>
+          <a:effectRef idx="0">
+            <a:scrgbClr r="0" g="0" b="0"/>
           </a:effectRef>
           <a:fontRef idx="minor">
             <a:schemeClr val="dk1"/>
@@ -12177,13 +12139,13 @@
   <p:clrMapOvr>
     <a:masterClrMapping/>
   </p:clrMapOvr>
-  <mc:AlternateContent xmlns:mc="http://schemas.openxmlformats.org/markup-compatibility/2006">
-    <mc:Choice xmlns:p15="http://schemas.microsoft.com/office/powerpoint/2012/main" Requires="p15">
+  <mc:AlternateContent xmlns:mc="http://schemas.openxmlformats.org/markup-compatibility/2006" xmlns:p15="http://schemas.microsoft.com/office/powerpoint/2012/main">
+    <mc:Choice Requires="p15">
       <p:transition xmlns:p14="http://schemas.microsoft.com/office/powerpoint/2010/main" spd="slow" p14:dur="1250">
         <p15:prstTrans prst="peelOff"/>
       </p:transition>
     </mc:Choice>
-    <mc:Fallback>
+    <mc:Fallback xmlns="">
       <p:transition spd="slow">
         <p:fade/>
       </p:transition>
@@ -12439,41 +12401,26 @@
             <a:off x="0" y="12242"/>
             <a:ext cx="5974672" cy="945502"/>
           </a:xfrm>
-          <a:gradFill>
-            <a:gsLst>
-              <a:gs pos="0">
-                <a:schemeClr val="accent6">
-                  <a:lumMod val="60000"/>
-                  <a:lumOff val="40000"/>
-                </a:schemeClr>
-              </a:gs>
-              <a:gs pos="50000">
-                <a:schemeClr val="accent6">
-                  <a:lumMod val="20000"/>
-                  <a:lumOff val="80000"/>
-                </a:schemeClr>
-              </a:gs>
-              <a:gs pos="100000">
-                <a:schemeClr val="accent6">
-                  <a:lumMod val="60000"/>
-                  <a:lumOff val="40000"/>
-                </a:schemeClr>
-              </a:gs>
-            </a:gsLst>
-          </a:gradFill>
-          <a:ln>
-            <a:noFill/>
+          <a:noFill/>
+          <a:ln w="9525" cap="flat" cmpd="sng" algn="ctr">
+            <a:solidFill>
+              <a:schemeClr val="dk1"/>
+            </a:solidFill>
+            <a:prstDash val="solid"/>
+            <a:round/>
+            <a:headEnd type="none" w="med" len="med"/>
+            <a:tailEnd type="none" w="med" len="med"/>
           </a:ln>
         </p:spPr>
         <p:style>
-          <a:lnRef idx="1">
-            <a:schemeClr val="dk1"/>
+          <a:lnRef idx="0">
+            <a:scrgbClr r="0" g="0" b="0"/>
           </a:lnRef>
-          <a:fillRef idx="2">
-            <a:schemeClr val="dk1"/>
+          <a:fillRef idx="0">
+            <a:scrgbClr r="0" g="0" b="0"/>
           </a:fillRef>
-          <a:effectRef idx="1">
-            <a:schemeClr val="dk1"/>
+          <a:effectRef idx="0">
+            <a:scrgbClr r="0" g="0" b="0"/>
           </a:effectRef>
           <a:fontRef idx="minor">
             <a:schemeClr val="dk1"/>
@@ -12507,8 +12454,8 @@
         </p:nvSpPr>
         <p:spPr>
           <a:xfrm>
-            <a:off x="636233" y="2967335"/>
-            <a:ext cx="5116497" cy="923330"/>
+            <a:off x="636233" y="3329841"/>
+            <a:ext cx="5116497" cy="1569660"/>
           </a:xfrm>
           <a:prstGeom prst="rect">
             <a:avLst/>
@@ -12526,7 +12473,7 @@
               <a:buChar char="Ø"/>
             </a:pPr>
             <a:r>
-              <a:rPr lang="en-US" b="1" dirty="0"/>
+              <a:rPr lang="en-US" sz="2400" b="1" dirty="0"/>
               <a:t>Soil analysis and weather  can be combined with this solution to recommend best crop for the farmer to get increased ROI</a:t>
             </a:r>
           </a:p>
@@ -12546,8 +12493,8 @@
         </p:nvSpPr>
         <p:spPr>
           <a:xfrm>
-            <a:off x="636231" y="1226670"/>
-            <a:ext cx="5116497" cy="646331"/>
+            <a:off x="636231" y="949671"/>
+            <a:ext cx="5116497" cy="1200329"/>
           </a:xfrm>
           <a:prstGeom prst="rect">
             <a:avLst/>
@@ -12565,7 +12512,7 @@
               <a:buChar char="Ø"/>
             </a:pPr>
             <a:r>
-              <a:rPr lang="en-US" b="1" dirty="0"/>
+              <a:rPr lang="en-US" sz="2400" b="1" dirty="0"/>
               <a:t>Solution would help find the correlation between the crop, price across different cities.</a:t>
             </a:r>
           </a:p>
@@ -12585,8 +12532,8 @@
         </p:nvSpPr>
         <p:spPr>
           <a:xfrm>
-            <a:off x="636232" y="2097793"/>
-            <a:ext cx="5116497" cy="646331"/>
+            <a:off x="636232" y="2307212"/>
+            <a:ext cx="5116497" cy="1200329"/>
           </a:xfrm>
           <a:prstGeom prst="rect">
             <a:avLst/>
@@ -12604,7 +12551,7 @@
               <a:buChar char="Ø"/>
             </a:pPr>
             <a:r>
-              <a:rPr lang="en-US" b="1" dirty="0"/>
+              <a:rPr lang="en-US" sz="2400" b="1" dirty="0"/>
               <a:t>Creating a generic Model which can predict price of any Cereals, Pulses and Millets</a:t>
             </a:r>
           </a:p>
@@ -12624,8 +12571,8 @@
         </p:nvSpPr>
         <p:spPr>
           <a:xfrm>
-            <a:off x="636234" y="4175934"/>
-            <a:ext cx="5116497" cy="923330"/>
+            <a:off x="636236" y="4838889"/>
+            <a:ext cx="5116497" cy="1200329"/>
           </a:xfrm>
           <a:prstGeom prst="rect">
             <a:avLst/>
@@ -12643,7 +12590,7 @@
               <a:buChar char="Ø"/>
             </a:pPr>
             <a:r>
-              <a:rPr lang="en-US" b="1" dirty="0"/>
+              <a:rPr lang="en-US" sz="2400" b="1" dirty="0"/>
               <a:t>Price Prediction would assist the Business consumers ( Millet as primary ingredient ) ex: Ragi Malt </a:t>
             </a:r>
           </a:p>
@@ -12699,8 +12646,8 @@
         </p:nvSpPr>
         <p:spPr>
           <a:xfrm>
-            <a:off x="6374163" y="3244334"/>
-            <a:ext cx="5104659" cy="369332"/>
+            <a:off x="6374163" y="3699172"/>
+            <a:ext cx="5104659" cy="830997"/>
           </a:xfrm>
           <a:prstGeom prst="rect">
             <a:avLst/>
@@ -12718,7 +12665,7 @@
               <a:buChar char="Ø"/>
             </a:pPr>
             <a:r>
-              <a:rPr lang="en-US" b="1" dirty="0"/>
+              <a:rPr lang="en-US" sz="2400" b="1" dirty="0"/>
               <a:t>Small scale farmers are the primary beneficiary.</a:t>
             </a:r>
           </a:p>
@@ -12738,8 +12685,8 @@
         </p:nvSpPr>
         <p:spPr>
           <a:xfrm>
-            <a:off x="6374165" y="1230640"/>
-            <a:ext cx="5104659" cy="646331"/>
+            <a:off x="6374165" y="953641"/>
+            <a:ext cx="5104659" cy="1200329"/>
           </a:xfrm>
           <a:prstGeom prst="rect">
             <a:avLst/>
@@ -12757,7 +12704,7 @@
               <a:buChar char="Ø"/>
             </a:pPr>
             <a:r>
-              <a:rPr lang="en-US" b="1" dirty="0"/>
+              <a:rPr lang="en-US" sz="2400" b="1" dirty="0"/>
               <a:t>The complex value chain, lack of resources and connectivity adds to agricultural inefficiency</a:t>
             </a:r>
           </a:p>
@@ -12777,8 +12724,8 @@
         </p:nvSpPr>
         <p:spPr>
           <a:xfrm>
-            <a:off x="6374166" y="1959293"/>
-            <a:ext cx="5104659" cy="923330"/>
+            <a:off x="6374166" y="2122546"/>
+            <a:ext cx="5104659" cy="1569660"/>
           </a:xfrm>
           <a:prstGeom prst="rect">
             <a:avLst/>
@@ -12796,8 +12743,8 @@
               <a:buChar char="Ø"/>
             </a:pPr>
             <a:r>
-              <a:rPr lang="en-US" b="1" dirty="0"/>
-              <a:t>there is a need to provide small scale farmers with enough information so that they get the best price for the yield.</a:t>
+              <a:rPr lang="en-US" sz="2400" b="1" dirty="0"/>
+              <a:t>There is a need to provide small scale farmers with enough information so that they get the best price for the yield.</a:t>
             </a:r>
           </a:p>
         </p:txBody>
@@ -12816,8 +12763,8 @@
         </p:nvSpPr>
         <p:spPr>
           <a:xfrm>
-            <a:off x="6374164" y="4175934"/>
-            <a:ext cx="5104659" cy="923330"/>
+            <a:off x="6374166" y="4838889"/>
+            <a:ext cx="5104659" cy="1200329"/>
           </a:xfrm>
           <a:prstGeom prst="rect">
             <a:avLst/>
@@ -12835,7 +12782,7 @@
               <a:buChar char="Ø"/>
             </a:pPr>
             <a:r>
-              <a:rPr lang="en-US" b="1" dirty="0"/>
+              <a:rPr lang="en-US" sz="2400" b="1" dirty="0"/>
               <a:t>Price Prediction would assist the Business consumers ( Millet as primary ingredient ) ex: Ragi Malt </a:t>
             </a:r>
           </a:p>
@@ -12863,41 +12810,26 @@
           <a:prstGeom prst="rect">
             <a:avLst/>
           </a:prstGeom>
-          <a:gradFill>
-            <a:gsLst>
-              <a:gs pos="0">
-                <a:schemeClr val="accent6">
-                  <a:lumMod val="60000"/>
-                  <a:lumOff val="40000"/>
-                </a:schemeClr>
-              </a:gs>
-              <a:gs pos="50000">
-                <a:schemeClr val="accent6">
-                  <a:lumMod val="20000"/>
-                  <a:lumOff val="80000"/>
-                </a:schemeClr>
-              </a:gs>
-              <a:gs pos="100000">
-                <a:schemeClr val="accent6">
-                  <a:lumMod val="60000"/>
-                  <a:lumOff val="40000"/>
-                </a:schemeClr>
-              </a:gs>
-            </a:gsLst>
-          </a:gradFill>
-          <a:ln>
-            <a:noFill/>
+          <a:noFill/>
+          <a:ln w="9525" cap="flat" cmpd="sng" algn="ctr">
+            <a:solidFill>
+              <a:schemeClr val="dk1"/>
+            </a:solidFill>
+            <a:prstDash val="solid"/>
+            <a:round/>
+            <a:headEnd type="none" w="med" len="med"/>
+            <a:tailEnd type="none" w="med" len="med"/>
           </a:ln>
         </p:spPr>
         <p:style>
-          <a:lnRef idx="1">
-            <a:schemeClr val="dk1"/>
+          <a:lnRef idx="0">
+            <a:scrgbClr r="0" g="0" b="0"/>
           </a:lnRef>
-          <a:fillRef idx="2">
-            <a:schemeClr val="dk1"/>
+          <a:fillRef idx="0">
+            <a:scrgbClr r="0" g="0" b="0"/>
           </a:fillRef>
-          <a:effectRef idx="1">
-            <a:schemeClr val="dk1"/>
+          <a:effectRef idx="0">
+            <a:scrgbClr r="0" g="0" b="0"/>
           </a:effectRef>
           <a:fontRef idx="minor">
             <a:schemeClr val="dk1"/>
@@ -13017,13 +12949,13 @@
   <p:clrMapOvr>
     <a:masterClrMapping/>
   </p:clrMapOvr>
-  <mc:AlternateContent xmlns:mc="http://schemas.openxmlformats.org/markup-compatibility/2006">
-    <mc:Choice xmlns:p15="http://schemas.microsoft.com/office/powerpoint/2012/main" Requires="p15">
+  <mc:AlternateContent xmlns:mc="http://schemas.openxmlformats.org/markup-compatibility/2006" xmlns:p15="http://schemas.microsoft.com/office/powerpoint/2012/main">
+    <mc:Choice Requires="p15">
       <p:transition xmlns:p14="http://schemas.microsoft.com/office/powerpoint/2010/main" spd="slow" p14:dur="1250">
         <p15:prstTrans prst="peelOff"/>
       </p:transition>
     </mc:Choice>
-    <mc:Fallback>
+    <mc:Fallback xmlns="">
       <p:transition spd="slow">
         <p:fade/>
       </p:transition>
@@ -14824,41 +14756,26 @@
           <a:prstGeom prst="rect">
             <a:avLst/>
           </a:prstGeom>
-          <a:gradFill>
-            <a:gsLst>
-              <a:gs pos="0">
-                <a:schemeClr val="accent6">
-                  <a:lumMod val="60000"/>
-                  <a:lumOff val="40000"/>
-                </a:schemeClr>
-              </a:gs>
-              <a:gs pos="50000">
-                <a:schemeClr val="accent6">
-                  <a:lumMod val="20000"/>
-                  <a:lumOff val="80000"/>
-                </a:schemeClr>
-              </a:gs>
-              <a:gs pos="100000">
-                <a:schemeClr val="accent6">
-                  <a:lumMod val="60000"/>
-                  <a:lumOff val="40000"/>
-                </a:schemeClr>
-              </a:gs>
-            </a:gsLst>
-          </a:gradFill>
-          <a:ln>
-            <a:noFill/>
+          <a:noFill/>
+          <a:ln w="9525" cap="flat" cmpd="sng" algn="ctr">
+            <a:solidFill>
+              <a:schemeClr val="dk1"/>
+            </a:solidFill>
+            <a:prstDash val="solid"/>
+            <a:round/>
+            <a:headEnd type="none" w="med" len="med"/>
+            <a:tailEnd type="none" w="med" len="med"/>
           </a:ln>
         </p:spPr>
         <p:style>
-          <a:lnRef idx="1">
-            <a:schemeClr val="dk1"/>
+          <a:lnRef idx="0">
+            <a:scrgbClr r="0" g="0" b="0"/>
           </a:lnRef>
-          <a:fillRef idx="2">
-            <a:schemeClr val="dk1"/>
+          <a:fillRef idx="0">
+            <a:scrgbClr r="0" g="0" b="0"/>
           </a:fillRef>
-          <a:effectRef idx="1">
-            <a:schemeClr val="dk1"/>
+          <a:effectRef idx="0">
+            <a:scrgbClr r="0" g="0" b="0"/>
           </a:effectRef>
           <a:fontRef idx="minor">
             <a:schemeClr val="dk1"/>
@@ -14981,13 +14898,13 @@
   <p:clrMapOvr>
     <a:masterClrMapping/>
   </p:clrMapOvr>
-  <mc:AlternateContent xmlns:mc="http://schemas.openxmlformats.org/markup-compatibility/2006">
-    <mc:Choice xmlns:p15="http://schemas.microsoft.com/office/powerpoint/2012/main" Requires="p15">
+  <mc:AlternateContent xmlns:mc="http://schemas.openxmlformats.org/markup-compatibility/2006" xmlns:p15="http://schemas.microsoft.com/office/powerpoint/2012/main">
+    <mc:Choice Requires="p15">
       <p:transition xmlns:p14="http://schemas.microsoft.com/office/powerpoint/2010/main" spd="slow" p14:dur="1250">
         <p15:prstTrans prst="peelOff"/>
       </p:transition>
     </mc:Choice>
-    <mc:Fallback>
+    <mc:Fallback xmlns="">
       <p:transition spd="slow">
         <p:fade/>
       </p:transition>
@@ -15623,41 +15540,26 @@
           <a:prstGeom prst="rect">
             <a:avLst/>
           </a:prstGeom>
-          <a:gradFill>
-            <a:gsLst>
-              <a:gs pos="0">
-                <a:schemeClr val="accent6">
-                  <a:lumMod val="60000"/>
-                  <a:lumOff val="40000"/>
-                </a:schemeClr>
-              </a:gs>
-              <a:gs pos="50000">
-                <a:schemeClr val="accent6">
-                  <a:lumMod val="20000"/>
-                  <a:lumOff val="80000"/>
-                </a:schemeClr>
-              </a:gs>
-              <a:gs pos="100000">
-                <a:schemeClr val="accent6">
-                  <a:lumMod val="60000"/>
-                  <a:lumOff val="40000"/>
-                </a:schemeClr>
-              </a:gs>
-            </a:gsLst>
-          </a:gradFill>
-          <a:ln>
-            <a:noFill/>
+          <a:noFill/>
+          <a:ln w="9525" cap="flat" cmpd="sng" algn="ctr">
+            <a:solidFill>
+              <a:schemeClr val="dk1"/>
+            </a:solidFill>
+            <a:prstDash val="solid"/>
+            <a:round/>
+            <a:headEnd type="none" w="med" len="med"/>
+            <a:tailEnd type="none" w="med" len="med"/>
           </a:ln>
         </p:spPr>
         <p:style>
-          <a:lnRef idx="1">
-            <a:schemeClr val="dk1"/>
+          <a:lnRef idx="0">
+            <a:scrgbClr r="0" g="0" b="0"/>
           </a:lnRef>
-          <a:fillRef idx="2">
-            <a:schemeClr val="dk1"/>
+          <a:fillRef idx="0">
+            <a:scrgbClr r="0" g="0" b="0"/>
           </a:fillRef>
-          <a:effectRef idx="1">
-            <a:schemeClr val="dk1"/>
+          <a:effectRef idx="0">
+            <a:scrgbClr r="0" g="0" b="0"/>
           </a:effectRef>
           <a:fontRef idx="minor">
             <a:schemeClr val="dk1"/>
@@ -15784,8 +15686,8 @@
         </p:nvSpPr>
         <p:spPr>
           <a:xfrm>
-            <a:off x="967666" y="1803997"/>
-            <a:ext cx="10688714" cy="923330"/>
+            <a:off x="967666" y="1665498"/>
+            <a:ext cx="10688714" cy="1200329"/>
           </a:xfrm>
           <a:prstGeom prst="rect">
             <a:avLst/>
@@ -15803,7 +15705,7 @@
               <a:buChar char="Ø"/>
             </a:pPr>
             <a:r>
-              <a:rPr lang="en-US" b="1" dirty="0"/>
+              <a:rPr lang="en-US" sz="2400" b="1" dirty="0"/>
               <a:t>We are attempting to forecast millet price using statistical time-series modeling techniques like Gated Recurrent Unit (GRU) and Long Short Term Memory(LSTM), which in on Recurrent Neural Network(RNN) models. </a:t>
             </a:r>
           </a:p>
@@ -15823,8 +15725,8 @@
         </p:nvSpPr>
         <p:spPr>
           <a:xfrm>
-            <a:off x="967666" y="2771715"/>
-            <a:ext cx="10688714" cy="646331"/>
+            <a:off x="967666" y="3298614"/>
+            <a:ext cx="10688714" cy="830997"/>
           </a:xfrm>
           <a:prstGeom prst="rect">
             <a:avLst/>
@@ -15842,7 +15744,7 @@
               <a:buChar char="Ø"/>
             </a:pPr>
             <a:r>
-              <a:rPr lang="en-US" b="1" dirty="0"/>
+              <a:rPr lang="en-US" sz="2400" b="1" dirty="0"/>
               <a:t>The forecasting performance of these models has been evaluated and compared by using common criteria such as Mean Square Error.</a:t>
             </a:r>
           </a:p>
@@ -15862,8 +15764,8 @@
         </p:nvSpPr>
         <p:spPr>
           <a:xfrm>
-            <a:off x="967666" y="3648891"/>
-            <a:ext cx="10688714" cy="369332"/>
+            <a:off x="967666" y="4747945"/>
+            <a:ext cx="10688714" cy="461665"/>
           </a:xfrm>
           <a:prstGeom prst="rect">
             <a:avLst/>
@@ -15881,7 +15783,7 @@
               <a:buChar char="Ø"/>
             </a:pPr>
             <a:r>
-              <a:rPr lang="en-US" b="1" dirty="0"/>
+              <a:rPr lang="en-US" sz="2400" b="1" dirty="0"/>
               <a:t>Both LSTM and GRU helps in keeping relevant information and pass it forward</a:t>
             </a:r>
           </a:p>
@@ -15897,13 +15799,13 @@
   <p:clrMapOvr>
     <a:masterClrMapping/>
   </p:clrMapOvr>
-  <mc:AlternateContent xmlns:mc="http://schemas.openxmlformats.org/markup-compatibility/2006">
-    <mc:Choice xmlns:p15="http://schemas.microsoft.com/office/powerpoint/2012/main" Requires="p15">
+  <mc:AlternateContent xmlns:mc="http://schemas.openxmlformats.org/markup-compatibility/2006" xmlns:p15="http://schemas.microsoft.com/office/powerpoint/2012/main">
+    <mc:Choice Requires="p15">
       <p:transition xmlns:p14="http://schemas.microsoft.com/office/powerpoint/2010/main" spd="slow" p14:dur="1250">
         <p15:prstTrans prst="peelOff"/>
       </p:transition>
     </mc:Choice>
-    <mc:Fallback>
+    <mc:Fallback xmlns="">
       <p:transition spd="slow">
         <p:fade/>
       </p:transition>
@@ -16160,41 +16062,26 @@
           <a:prstGeom prst="rect">
             <a:avLst/>
           </a:prstGeom>
-          <a:gradFill>
-            <a:gsLst>
-              <a:gs pos="0">
-                <a:schemeClr val="accent6">
-                  <a:lumMod val="60000"/>
-                  <a:lumOff val="40000"/>
-                </a:schemeClr>
-              </a:gs>
-              <a:gs pos="50000">
-                <a:schemeClr val="accent6">
-                  <a:lumMod val="20000"/>
-                  <a:lumOff val="80000"/>
-                </a:schemeClr>
-              </a:gs>
-              <a:gs pos="100000">
-                <a:schemeClr val="accent6">
-                  <a:lumMod val="60000"/>
-                  <a:lumOff val="40000"/>
-                </a:schemeClr>
-              </a:gs>
-            </a:gsLst>
-          </a:gradFill>
-          <a:ln>
-            <a:noFill/>
+          <a:noFill/>
+          <a:ln w="9525" cap="flat" cmpd="sng" algn="ctr">
+            <a:solidFill>
+              <a:schemeClr val="dk1"/>
+            </a:solidFill>
+            <a:prstDash val="solid"/>
+            <a:round/>
+            <a:headEnd type="none" w="med" len="med"/>
+            <a:tailEnd type="none" w="med" len="med"/>
           </a:ln>
         </p:spPr>
         <p:style>
-          <a:lnRef idx="1">
-            <a:schemeClr val="dk1"/>
+          <a:lnRef idx="0">
+            <a:scrgbClr r="0" g="0" b="0"/>
           </a:lnRef>
-          <a:fillRef idx="2">
-            <a:schemeClr val="dk1"/>
+          <a:fillRef idx="0">
+            <a:scrgbClr r="0" g="0" b="0"/>
           </a:fillRef>
-          <a:effectRef idx="1">
-            <a:schemeClr val="dk1"/>
+          <a:effectRef idx="0">
+            <a:scrgbClr r="0" g="0" b="0"/>
           </a:effectRef>
           <a:fontRef idx="minor">
             <a:schemeClr val="dk1"/>
@@ -16521,41 +16408,26 @@
           <a:prstGeom prst="rect">
             <a:avLst/>
           </a:prstGeom>
-          <a:gradFill>
-            <a:gsLst>
-              <a:gs pos="0">
-                <a:schemeClr val="accent6">
-                  <a:lumMod val="60000"/>
-                  <a:lumOff val="40000"/>
-                </a:schemeClr>
-              </a:gs>
-              <a:gs pos="50000">
-                <a:schemeClr val="accent6">
-                  <a:lumMod val="20000"/>
-                  <a:lumOff val="80000"/>
-                </a:schemeClr>
-              </a:gs>
-              <a:gs pos="100000">
-                <a:schemeClr val="accent6">
-                  <a:lumMod val="60000"/>
-                  <a:lumOff val="40000"/>
-                </a:schemeClr>
-              </a:gs>
-            </a:gsLst>
-          </a:gradFill>
-          <a:ln>
-            <a:noFill/>
+          <a:noFill/>
+          <a:ln w="9525" cap="flat" cmpd="sng" algn="ctr">
+            <a:solidFill>
+              <a:schemeClr val="dk1"/>
+            </a:solidFill>
+            <a:prstDash val="solid"/>
+            <a:round/>
+            <a:headEnd type="none" w="med" len="med"/>
+            <a:tailEnd type="none" w="med" len="med"/>
           </a:ln>
         </p:spPr>
         <p:style>
-          <a:lnRef idx="1">
-            <a:schemeClr val="dk1"/>
+          <a:lnRef idx="0">
+            <a:scrgbClr r="0" g="0" b="0"/>
           </a:lnRef>
-          <a:fillRef idx="2">
-            <a:schemeClr val="dk1"/>
+          <a:fillRef idx="0">
+            <a:scrgbClr r="0" g="0" b="0"/>
           </a:fillRef>
-          <a:effectRef idx="1">
-            <a:schemeClr val="dk1"/>
+          <a:effectRef idx="0">
+            <a:scrgbClr r="0" g="0" b="0"/>
           </a:effectRef>
           <a:fontRef idx="minor">
             <a:schemeClr val="dk1"/>
@@ -16842,13 +16714,13 @@
   <p:clrMapOvr>
     <a:overrideClrMapping bg1="lt1" tx1="dk1" bg2="lt2" tx2="dk2" accent1="accent1" accent2="accent2" accent3="accent3" accent4="accent4" accent5="accent5" accent6="accent6" hlink="hlink" folHlink="folHlink"/>
   </p:clrMapOvr>
-  <mc:AlternateContent xmlns:mc="http://schemas.openxmlformats.org/markup-compatibility/2006">
-    <mc:Choice xmlns:p15="http://schemas.microsoft.com/office/powerpoint/2012/main" Requires="p15">
+  <mc:AlternateContent xmlns:mc="http://schemas.openxmlformats.org/markup-compatibility/2006" xmlns:p15="http://schemas.microsoft.com/office/powerpoint/2012/main">
+    <mc:Choice Requires="p15">
       <p:transition xmlns:p14="http://schemas.microsoft.com/office/powerpoint/2010/main" spd="slow" p14:dur="1250">
         <p15:prstTrans prst="peelOff"/>
       </p:transition>
     </mc:Choice>
-    <mc:Fallback>
+    <mc:Fallback xmlns="">
       <p:transition spd="slow">
         <p:fade/>
       </p:transition>
@@ -17429,41 +17301,26 @@
           <a:prstGeom prst="rect">
             <a:avLst/>
           </a:prstGeom>
-          <a:gradFill>
-            <a:gsLst>
-              <a:gs pos="0">
-                <a:schemeClr val="accent6">
-                  <a:lumMod val="60000"/>
-                  <a:lumOff val="40000"/>
-                </a:schemeClr>
-              </a:gs>
-              <a:gs pos="50000">
-                <a:schemeClr val="accent6">
-                  <a:lumMod val="20000"/>
-                  <a:lumOff val="80000"/>
-                </a:schemeClr>
-              </a:gs>
-              <a:gs pos="100000">
-                <a:schemeClr val="accent6">
-                  <a:lumMod val="60000"/>
-                  <a:lumOff val="40000"/>
-                </a:schemeClr>
-              </a:gs>
-            </a:gsLst>
-          </a:gradFill>
-          <a:ln>
-            <a:noFill/>
+          <a:noFill/>
+          <a:ln w="9525" cap="flat" cmpd="sng" algn="ctr">
+            <a:solidFill>
+              <a:schemeClr val="dk1"/>
+            </a:solidFill>
+            <a:prstDash val="solid"/>
+            <a:round/>
+            <a:headEnd type="none" w="med" len="med"/>
+            <a:tailEnd type="none" w="med" len="med"/>
           </a:ln>
         </p:spPr>
         <p:style>
-          <a:lnRef idx="1">
-            <a:schemeClr val="dk1"/>
+          <a:lnRef idx="0">
+            <a:scrgbClr r="0" g="0" b="0"/>
           </a:lnRef>
-          <a:fillRef idx="2">
-            <a:schemeClr val="dk1"/>
+          <a:fillRef idx="0">
+            <a:scrgbClr r="0" g="0" b="0"/>
           </a:fillRef>
-          <a:effectRef idx="1">
-            <a:schemeClr val="dk1"/>
+          <a:effectRef idx="0">
+            <a:scrgbClr r="0" g="0" b="0"/>
           </a:effectRef>
           <a:fontRef idx="minor">
             <a:schemeClr val="dk1"/>
@@ -17590,8 +17447,8 @@
         </p:nvSpPr>
         <p:spPr>
           <a:xfrm>
-            <a:off x="838200" y="1461500"/>
-            <a:ext cx="10688714" cy="369332"/>
+            <a:off x="838200" y="1415334"/>
+            <a:ext cx="10688714" cy="461665"/>
           </a:xfrm>
           <a:prstGeom prst="rect">
             <a:avLst/>
@@ -17609,7 +17466,7 @@
               <a:buChar char="Ø"/>
             </a:pPr>
             <a:r>
-              <a:rPr lang="en-US" b="1" dirty="0"/>
+              <a:rPr lang="en-US" sz="2400" b="1" dirty="0"/>
               <a:t>Data Collection</a:t>
             </a:r>
           </a:p>
@@ -17629,8 +17486,8 @@
         </p:nvSpPr>
         <p:spPr>
           <a:xfrm>
-            <a:off x="838200" y="2155165"/>
-            <a:ext cx="10688714" cy="369332"/>
+            <a:off x="838200" y="2195806"/>
+            <a:ext cx="10688714" cy="830997"/>
           </a:xfrm>
           <a:prstGeom prst="rect">
             <a:avLst/>
@@ -17648,7 +17505,7 @@
               <a:buChar char="Ø"/>
             </a:pPr>
             <a:r>
-              <a:rPr lang="en-US" b="1" dirty="0"/>
+              <a:rPr lang="en-US" sz="2400" b="1" dirty="0"/>
               <a:t>Since the data is not available in one place, we need to collate many sheets to get the desired data. </a:t>
             </a:r>
           </a:p>
@@ -17668,8 +17525,8 @@
         </p:nvSpPr>
         <p:spPr>
           <a:xfrm>
-            <a:off x="838200" y="2881854"/>
-            <a:ext cx="10688714" cy="369332"/>
+            <a:off x="838200" y="3198168"/>
+            <a:ext cx="10688714" cy="830997"/>
           </a:xfrm>
           <a:prstGeom prst="rect">
             <a:avLst/>
@@ -17687,7 +17544,7 @@
               <a:buChar char="Ø"/>
             </a:pPr>
             <a:r>
-              <a:rPr lang="en-US" b="1" dirty="0"/>
+              <a:rPr lang="en-US" sz="2400" b="1" dirty="0"/>
               <a:t>Model complexity increase when we increase number of features ( Cities, Variety, Commodity)</a:t>
             </a:r>
           </a:p>
@@ -17707,8 +17564,8 @@
         </p:nvSpPr>
         <p:spPr>
           <a:xfrm>
-            <a:off x="838200" y="3457279"/>
-            <a:ext cx="10688714" cy="369332"/>
+            <a:off x="838200" y="4334390"/>
+            <a:ext cx="10688714" cy="461665"/>
           </a:xfrm>
           <a:prstGeom prst="rect">
             <a:avLst/>
@@ -17726,7 +17583,7 @@
               <a:buChar char="Ø"/>
             </a:pPr>
             <a:r>
-              <a:rPr lang="en-US" b="1" dirty="0"/>
+              <a:rPr lang="en-US" sz="2400" b="1" dirty="0"/>
               <a:t>The duration of building the model based on the features also keep vary</a:t>
             </a:r>
           </a:p>
@@ -17742,13 +17599,13 @@
   <p:clrMapOvr>
     <a:masterClrMapping/>
   </p:clrMapOvr>
-  <mc:AlternateContent xmlns:mc="http://schemas.openxmlformats.org/markup-compatibility/2006">
-    <mc:Choice xmlns:p15="http://schemas.microsoft.com/office/powerpoint/2012/main" Requires="p15">
+  <mc:AlternateContent xmlns:mc="http://schemas.openxmlformats.org/markup-compatibility/2006" xmlns:p15="http://schemas.microsoft.com/office/powerpoint/2012/main">
+    <mc:Choice Requires="p15">
       <p:transition xmlns:p14="http://schemas.microsoft.com/office/powerpoint/2010/main" spd="slow" p14:dur="1250">
         <p15:prstTrans prst="peelOff"/>
       </p:transition>
     </mc:Choice>
-    <mc:Fallback>
+    <mc:Fallback xmlns="">
       <p:transition spd="slow">
         <p:fade/>
       </p:transition>
@@ -18059,41 +17916,26 @@
           <a:prstGeom prst="rect">
             <a:avLst/>
           </a:prstGeom>
-          <a:gradFill>
-            <a:gsLst>
-              <a:gs pos="0">
-                <a:schemeClr val="accent6">
-                  <a:lumMod val="60000"/>
-                  <a:lumOff val="40000"/>
-                </a:schemeClr>
-              </a:gs>
-              <a:gs pos="50000">
-                <a:schemeClr val="accent6">
-                  <a:lumMod val="20000"/>
-                  <a:lumOff val="80000"/>
-                </a:schemeClr>
-              </a:gs>
-              <a:gs pos="100000">
-                <a:schemeClr val="accent6">
-                  <a:lumMod val="60000"/>
-                  <a:lumOff val="40000"/>
-                </a:schemeClr>
-              </a:gs>
-            </a:gsLst>
-          </a:gradFill>
-          <a:ln>
-            <a:noFill/>
+          <a:noFill/>
+          <a:ln w="9525" cap="flat" cmpd="sng" algn="ctr">
+            <a:solidFill>
+              <a:schemeClr val="dk1"/>
+            </a:solidFill>
+            <a:prstDash val="solid"/>
+            <a:round/>
+            <a:headEnd type="none" w="med" len="med"/>
+            <a:tailEnd type="none" w="med" len="med"/>
           </a:ln>
         </p:spPr>
         <p:style>
-          <a:lnRef idx="1">
-            <a:schemeClr val="dk1"/>
+          <a:lnRef idx="0">
+            <a:scrgbClr r="0" g="0" b="0"/>
           </a:lnRef>
-          <a:fillRef idx="2">
-            <a:schemeClr val="dk1"/>
+          <a:fillRef idx="0">
+            <a:scrgbClr r="0" g="0" b="0"/>
           </a:fillRef>
-          <a:effectRef idx="1">
-            <a:schemeClr val="dk1"/>
+          <a:effectRef idx="0">
+            <a:scrgbClr r="0" g="0" b="0"/>
           </a:effectRef>
           <a:fontRef idx="minor">
             <a:schemeClr val="dk1"/>
@@ -18220,8 +18062,8 @@
         </p:nvSpPr>
         <p:spPr>
           <a:xfrm>
-            <a:off x="838200" y="1323001"/>
-            <a:ext cx="10688714" cy="646331"/>
+            <a:off x="838200" y="1016398"/>
+            <a:ext cx="10688714" cy="830997"/>
           </a:xfrm>
           <a:prstGeom prst="rect">
             <a:avLst/>
@@ -18239,7 +18081,7 @@
               <a:buChar char="Ø"/>
             </a:pPr>
             <a:r>
-              <a:rPr lang="en-US" b="1" dirty="0"/>
+              <a:rPr lang="en-US" sz="2400" b="1" dirty="0"/>
               <a:t>There are two basic types, which we can solve the price prediction problem using Structural and Time-Series. </a:t>
             </a:r>
           </a:p>
@@ -18259,8 +18101,8 @@
         </p:nvSpPr>
         <p:spPr>
           <a:xfrm>
-            <a:off x="838200" y="2016666"/>
-            <a:ext cx="10688714" cy="646331"/>
+            <a:off x="838200" y="1861001"/>
+            <a:ext cx="10688714" cy="830997"/>
           </a:xfrm>
           <a:prstGeom prst="rect">
             <a:avLst/>
@@ -18278,7 +18120,7 @@
               <a:buChar char="Ø"/>
             </a:pPr>
             <a:r>
-              <a:rPr lang="en-US" b="1" dirty="0"/>
+              <a:rPr lang="en-US" sz="2400" b="1" dirty="0"/>
               <a:t>RNN's (LSTM's) are pretty good at extracting patterns in input feature space, where the input data spans over long sequences</a:t>
             </a:r>
           </a:p>
@@ -18298,8 +18140,8 @@
         </p:nvSpPr>
         <p:spPr>
           <a:xfrm>
-            <a:off x="838200" y="2734037"/>
-            <a:ext cx="10688714" cy="369332"/>
+            <a:off x="838200" y="2668278"/>
+            <a:ext cx="10688714" cy="830997"/>
           </a:xfrm>
           <a:prstGeom prst="rect">
             <a:avLst/>
@@ -18317,7 +18159,7 @@
               <a:buChar char="Ø"/>
             </a:pPr>
             <a:r>
-              <a:rPr lang="en-US" b="1" dirty="0"/>
+              <a:rPr lang="en-US" sz="2400" b="1" dirty="0"/>
               <a:t>The GRU is the newer generation of Recurrent Neural networks and is pretty like an LSTM</a:t>
             </a:r>
           </a:p>
@@ -18337,8 +18179,8 @@
         </p:nvSpPr>
         <p:spPr>
           <a:xfrm>
-            <a:off x="838200" y="3377617"/>
-            <a:ext cx="10688714" cy="369332"/>
+            <a:off x="838200" y="3442622"/>
+            <a:ext cx="10688714" cy="830997"/>
           </a:xfrm>
           <a:prstGeom prst="rect">
             <a:avLst/>
@@ -18356,7 +18198,7 @@
               <a:buChar char="Ø"/>
             </a:pPr>
             <a:r>
-              <a:rPr lang="en-US" b="1" dirty="0"/>
+              <a:rPr lang="en-US" sz="2400" b="1" dirty="0"/>
               <a:t>Pre processed done to rearrange the data in such a way that each column represents 1 feature of a city.</a:t>
             </a:r>
           </a:p>
@@ -18376,8 +18218,8 @@
         </p:nvSpPr>
         <p:spPr>
           <a:xfrm>
-            <a:off x="838200" y="3882697"/>
-            <a:ext cx="10688714" cy="646331"/>
+            <a:off x="838200" y="4299967"/>
+            <a:ext cx="10688714" cy="830997"/>
           </a:xfrm>
           <a:prstGeom prst="rect">
             <a:avLst/>
@@ -18395,7 +18237,7 @@
               <a:buChar char="Ø"/>
             </a:pPr>
             <a:r>
-              <a:rPr lang="en-US" b="1" dirty="0"/>
+              <a:rPr lang="en-US" sz="2400" b="1" dirty="0"/>
               <a:t>Since this is Time series data we have kept latest 25% of data for testing with the training data we’re scaling the values to 0,1 using MinMaxScaler.  </a:t>
             </a:r>
           </a:p>
@@ -18415,8 +18257,8 @@
         </p:nvSpPr>
         <p:spPr>
           <a:xfrm>
-            <a:off x="838200" y="4624378"/>
-            <a:ext cx="10688714" cy="369332"/>
+            <a:off x="909221" y="5183659"/>
+            <a:ext cx="10688714" cy="830997"/>
           </a:xfrm>
           <a:prstGeom prst="rect">
             <a:avLst/>
@@ -18434,7 +18276,7 @@
               <a:buChar char="Ø"/>
             </a:pPr>
             <a:r>
-              <a:rPr lang="en-US" b="1" dirty="0"/>
+              <a:rPr lang="en-US" sz="2400" b="1" dirty="0"/>
               <a:t>Standardization is useful for data which has negative values. It ​arranges the data into normal distribution. </a:t>
             </a:r>
           </a:p>
@@ -18450,13 +18292,13 @@
   <p:clrMapOvr>
     <a:masterClrMapping/>
   </p:clrMapOvr>
-  <mc:AlternateContent xmlns:mc="http://schemas.openxmlformats.org/markup-compatibility/2006">
-    <mc:Choice xmlns:p15="http://schemas.microsoft.com/office/powerpoint/2012/main" Requires="p15">
+  <mc:AlternateContent xmlns:mc="http://schemas.openxmlformats.org/markup-compatibility/2006" xmlns:p15="http://schemas.microsoft.com/office/powerpoint/2012/main">
+    <mc:Choice Requires="p15">
       <p:transition xmlns:p14="http://schemas.microsoft.com/office/powerpoint/2010/main" spd="slow" p14:dur="1250">
         <p15:prstTrans prst="peelOff"/>
       </p:transition>
     </mc:Choice>
-    <mc:Fallback>
+    <mc:Fallback xmlns="">
       <p:transition spd="slow">
         <p:fade/>
       </p:transition>

--- a/Millets_Market Price_Prediction_Presentation_Group 7.pptx
+++ b/Millets_Market Price_Prediction_Presentation_Group 7.pptx
@@ -8741,8 +8741,8 @@
         </p:nvSpPr>
         <p:spPr>
           <a:xfrm>
-            <a:off x="396209" y="4676624"/>
-            <a:ext cx="3066082" cy="2031325"/>
+            <a:off x="525264" y="4722789"/>
+            <a:ext cx="3798816" cy="1754326"/>
           </a:xfrm>
           <a:prstGeom prst="rect">
             <a:avLst/>

--- a/Millets_Market Price_Prediction_Presentation_Group 7.pptx
+++ b/Millets_Market Price_Prediction_Presentation_Group 7.pptx
@@ -10106,46 +10106,7 @@
             </a:pPr>
             <a:r>
               <a:rPr lang="en-US" sz="2400" b="1" dirty="0"/>
-              <a:t>Building a Pickle file</a:t>
-            </a:r>
-          </a:p>
-        </p:txBody>
-      </p:sp>
-      <p:sp>
-        <p:nvSpPr>
-          <p:cNvPr id="11" name="TextBox 11">
-            <a:extLst>
-              <a:ext uri="{FF2B5EF4-FFF2-40B4-BE49-F238E27FC236}">
-                <a16:creationId xmlns:a16="http://schemas.microsoft.com/office/drawing/2014/main" id="{F7A9DE42-D02C-4726-B0D3-87F57D3982FC}"/>
-              </a:ext>
-            </a:extLst>
-          </p:cNvPr>
-          <p:cNvSpPr txBox="1"/>
-          <p:nvPr/>
-        </p:nvSpPr>
-        <p:spPr>
-          <a:xfrm>
-            <a:off x="412072" y="2986182"/>
-            <a:ext cx="4728099" cy="1200329"/>
-          </a:xfrm>
-          <a:prstGeom prst="rect">
-            <a:avLst/>
-          </a:prstGeom>
-          <a:noFill/>
-        </p:spPr>
-        <p:txBody>
-          <a:bodyPr wrap="square" rtlCol="0" anchor="ctr">
-            <a:spAutoFit/>
-          </a:bodyPr>
-          <a:lstStyle/>
-          <a:p>
-            <a:pPr marL="285750" indent="-285750">
-              <a:buFont typeface="Wingdings" panose="05000000000000000000" pitchFamily="2" charset="2"/>
-              <a:buChar char="Ø"/>
-            </a:pPr>
-            <a:r>
-              <a:rPr lang="en-US" sz="2400" b="1" dirty="0"/>
-              <a:t>Deploying the Model to the Cloud Environment (AWS/Google Cloud/Azure)</a:t>
+              <a:t>This Model is Production ready </a:t>
             </a:r>
           </a:p>
         </p:txBody>
@@ -10457,45 +10418,6 @@
           </a:p>
         </p:txBody>
       </p:sp>
-      <p:sp>
-        <p:nvSpPr>
-          <p:cNvPr id="18" name="TextBox 11">
-            <a:extLst>
-              <a:ext uri="{FF2B5EF4-FFF2-40B4-BE49-F238E27FC236}">
-                <a16:creationId xmlns:a16="http://schemas.microsoft.com/office/drawing/2014/main" id="{1246B823-9BB2-4417-931E-1AD5BCCE3285}"/>
-              </a:ext>
-            </a:extLst>
-          </p:cNvPr>
-          <p:cNvSpPr txBox="1"/>
-          <p:nvPr/>
-        </p:nvSpPr>
-        <p:spPr>
-          <a:xfrm>
-            <a:off x="491971" y="4411654"/>
-            <a:ext cx="4728099" cy="461665"/>
-          </a:xfrm>
-          <a:prstGeom prst="rect">
-            <a:avLst/>
-          </a:prstGeom>
-          <a:noFill/>
-        </p:spPr>
-        <p:txBody>
-          <a:bodyPr wrap="square" rtlCol="0" anchor="ctr">
-            <a:spAutoFit/>
-          </a:bodyPr>
-          <a:lstStyle/>
-          <a:p>
-            <a:pPr marL="285750" indent="-285750">
-              <a:buFont typeface="Wingdings" panose="05000000000000000000" pitchFamily="2" charset="2"/>
-              <a:buChar char="Ø"/>
-            </a:pPr>
-            <a:r>
-              <a:rPr lang="en-US" sz="2400" b="1" dirty="0"/>
-              <a:t>Build REST API Services</a:t>
-            </a:r>
-          </a:p>
-        </p:txBody>
-      </p:sp>
     </p:spTree>
     <p:extLst>
       <p:ext uri="{BB962C8B-B14F-4D97-AF65-F5344CB8AC3E}">
@@ -10626,76 +10548,6 @@
                                   </p:childTnLst>
                                 </p:cTn>
                               </p:par>
-                              <p:par>
-                                <p:cTn id="13" presetID="10" presetClass="entr" presetSubtype="0" fill="hold" grpId="0" nodeType="withEffect">
-                                  <p:stCondLst>
-                                    <p:cond delay="0"/>
-                                  </p:stCondLst>
-                                  <p:childTnLst>
-                                    <p:set>
-                                      <p:cBhvr>
-                                        <p:cTn id="14" dur="1" fill="hold">
-                                          <p:stCondLst>
-                                            <p:cond delay="0"/>
-                                          </p:stCondLst>
-                                        </p:cTn>
-                                        <p:tgtEl>
-                                          <p:spTgt spid="11"/>
-                                        </p:tgtEl>
-                                        <p:attrNameLst>
-                                          <p:attrName>style.visibility</p:attrName>
-                                        </p:attrNameLst>
-                                      </p:cBhvr>
-                                      <p:to>
-                                        <p:strVal val="visible"/>
-                                      </p:to>
-                                    </p:set>
-                                    <p:animEffect transition="in" filter="fade">
-                                      <p:cBhvr>
-                                        <p:cTn id="15" dur="500"/>
-                                        <p:tgtEl>
-                                          <p:spTgt spid="11"/>
-                                        </p:tgtEl>
-                                      </p:cBhvr>
-                                    </p:animEffect>
-                                  </p:childTnLst>
-                                </p:cTn>
-                              </p:par>
-                              <p:par>
-                                <p:cTn id="16" presetID="10" presetClass="entr" presetSubtype="0" fill="hold" grpId="0" nodeType="withEffect">
-                                  <p:stCondLst>
-                                    <p:cond delay="0"/>
-                                  </p:stCondLst>
-                                  <p:childTnLst>
-                                    <p:set>
-                                      <p:cBhvr>
-                                        <p:cTn id="17" dur="1" fill="hold">
-                                          <p:stCondLst>
-                                            <p:cond delay="0"/>
-                                          </p:stCondLst>
-                                        </p:cTn>
-                                        <p:tgtEl>
-                                          <p:spTgt spid="18"/>
-                                        </p:tgtEl>
-                                        <p:attrNameLst>
-                                          <p:attrName>style.visibility</p:attrName>
-                                        </p:attrNameLst>
-                                      </p:cBhvr>
-                                      <p:to>
-                                        <p:strVal val="visible"/>
-                                      </p:to>
-                                    </p:set>
-                                    <p:animEffect transition="in" filter="fade">
-                                      <p:cBhvr>
-                                        <p:cTn id="18" dur="500"/>
-                                        <p:tgtEl>
-                                          <p:spTgt spid="18"/>
-                                        </p:tgtEl>
-                                      </p:cBhvr>
-                                    </p:animEffect>
-                                  </p:childTnLst>
-                                </p:cTn>
-                              </p:par>
                             </p:childTnLst>
                           </p:cTn>
                         </p:par>
@@ -10703,26 +10555,26 @@
                     </p:cTn>
                   </p:par>
                   <p:par>
-                    <p:cTn id="19" fill="hold">
+                    <p:cTn id="13" fill="hold">
                       <p:stCondLst>
                         <p:cond delay="indefinite"/>
                       </p:stCondLst>
                       <p:childTnLst>
                         <p:par>
-                          <p:cTn id="20" fill="hold">
+                          <p:cTn id="14" fill="hold">
                             <p:stCondLst>
                               <p:cond delay="0"/>
                             </p:stCondLst>
                             <p:childTnLst>
                               <p:par>
-                                <p:cTn id="21" presetID="10" presetClass="entr" presetSubtype="0" fill="hold" grpId="0" nodeType="clickEffect">
+                                <p:cTn id="15" presetID="10" presetClass="entr" presetSubtype="0" fill="hold" grpId="0" nodeType="clickEffect">
                                   <p:stCondLst>
                                     <p:cond delay="0"/>
                                   </p:stCondLst>
                                   <p:childTnLst>
                                     <p:set>
                                       <p:cBhvr>
-                                        <p:cTn id="22" dur="1" fill="hold">
+                                        <p:cTn id="16" dur="1" fill="hold">
                                           <p:stCondLst>
                                             <p:cond delay="0"/>
                                           </p:stCondLst>
@@ -10740,7 +10592,7 @@
                                     </p:set>
                                     <p:animEffect transition="in" filter="fade">
                                       <p:cBhvr>
-                                        <p:cTn id="23" dur="500"/>
+                                        <p:cTn id="17" dur="500"/>
                                         <p:tgtEl>
                                           <p:spTgt spid="12"/>
                                         </p:tgtEl>
@@ -10756,26 +10608,26 @@
                     </p:cTn>
                   </p:par>
                   <p:par>
-                    <p:cTn id="24" fill="hold">
+                    <p:cTn id="18" fill="hold">
                       <p:stCondLst>
                         <p:cond delay="indefinite"/>
                       </p:stCondLst>
                       <p:childTnLst>
                         <p:par>
-                          <p:cTn id="25" fill="hold">
+                          <p:cTn id="19" fill="hold">
                             <p:stCondLst>
                               <p:cond delay="0"/>
                             </p:stCondLst>
                             <p:childTnLst>
                               <p:par>
-                                <p:cTn id="26" presetID="10" presetClass="entr" presetSubtype="0" fill="hold" grpId="0" nodeType="clickEffect">
+                                <p:cTn id="20" presetID="10" presetClass="entr" presetSubtype="0" fill="hold" grpId="0" nodeType="clickEffect">
                                   <p:stCondLst>
                                     <p:cond delay="0"/>
                                   </p:stCondLst>
                                   <p:childTnLst>
                                     <p:set>
                                       <p:cBhvr>
-                                        <p:cTn id="27" dur="1" fill="hold">
+                                        <p:cTn id="21" dur="1" fill="hold">
                                           <p:stCondLst>
                                             <p:cond delay="0"/>
                                           </p:stCondLst>
@@ -10793,7 +10645,7 @@
                                     </p:set>
                                     <p:animEffect transition="in" filter="fade">
                                       <p:cBhvr>
-                                        <p:cTn id="28" dur="500"/>
+                                        <p:cTn id="22" dur="500"/>
                                         <p:tgtEl>
                                           <p:spTgt spid="15"/>
                                         </p:tgtEl>
@@ -10803,14 +10655,14 @@
                                 </p:cTn>
                               </p:par>
                               <p:par>
-                                <p:cTn id="29" presetID="10" presetClass="entr" presetSubtype="0" fill="hold" grpId="0" nodeType="withEffect">
+                                <p:cTn id="23" presetID="10" presetClass="entr" presetSubtype="0" fill="hold" grpId="0" nodeType="withEffect">
                                   <p:stCondLst>
                                     <p:cond delay="0"/>
                                   </p:stCondLst>
                                   <p:childTnLst>
                                     <p:set>
                                       <p:cBhvr>
-                                        <p:cTn id="30" dur="1" fill="hold">
+                                        <p:cTn id="24" dur="1" fill="hold">
                                           <p:stCondLst>
                                             <p:cond delay="0"/>
                                           </p:stCondLst>
@@ -10828,7 +10680,7 @@
                                     </p:set>
                                     <p:animEffect transition="in" filter="fade">
                                       <p:cBhvr>
-                                        <p:cTn id="31" dur="500"/>
+                                        <p:cTn id="25" dur="500"/>
                                         <p:tgtEl>
                                           <p:spTgt spid="16"/>
                                         </p:tgtEl>
@@ -10838,14 +10690,14 @@
                                 </p:cTn>
                               </p:par>
                               <p:par>
-                                <p:cTn id="32" presetID="10" presetClass="entr" presetSubtype="0" fill="hold" grpId="0" nodeType="withEffect">
+                                <p:cTn id="26" presetID="10" presetClass="entr" presetSubtype="0" fill="hold" grpId="0" nodeType="withEffect">
                                   <p:stCondLst>
                                     <p:cond delay="0"/>
                                   </p:stCondLst>
                                   <p:childTnLst>
                                     <p:set>
                                       <p:cBhvr>
-                                        <p:cTn id="33" dur="1" fill="hold">
+                                        <p:cTn id="27" dur="1" fill="hold">
                                           <p:stCondLst>
                                             <p:cond delay="0"/>
                                           </p:stCondLst>
@@ -10863,7 +10715,7 @@
                                     </p:set>
                                     <p:animEffect transition="in" filter="fade">
                                       <p:cBhvr>
-                                        <p:cTn id="34" dur="500"/>
+                                        <p:cTn id="28" dur="500"/>
                                         <p:tgtEl>
                                           <p:spTgt spid="17"/>
                                         </p:tgtEl>
@@ -10902,12 +10754,10 @@
     <p:bldLst>
       <p:bldP spid="6" grpId="0" animBg="1"/>
       <p:bldP spid="10" grpId="0"/>
-      <p:bldP spid="11" grpId="0"/>
       <p:bldP spid="12" grpId="0" animBg="1"/>
       <p:bldP spid="15" grpId="0"/>
       <p:bldP spid="16" grpId="0"/>
       <p:bldP spid="17" grpId="0"/>
-      <p:bldP spid="18" grpId="0"/>
     </p:bldLst>
   </p:timing>
 </p:sld>
